--- a/(2019.04.05) 10주차.pptx
+++ b/(2019.04.05) 10주차.pptx
@@ -22,8 +22,10 @@
     <p:sldId id="296" r:id="rId16"/>
     <p:sldId id="292" r:id="rId17"/>
     <p:sldId id="293" r:id="rId18"/>
-    <p:sldId id="294" r:id="rId19"/>
-    <p:sldId id="295" r:id="rId20"/>
+    <p:sldId id="297" r:id="rId19"/>
+    <p:sldId id="298" r:id="rId20"/>
+    <p:sldId id="294" r:id="rId21"/>
+    <p:sldId id="295" r:id="rId22"/>
   </p:sldIdLst>
   <p:sldSz cx="9144000" cy="6858000" type="screen4x3"/>
   <p:notesSz cx="6858000" cy="9144000"/>
@@ -3154,11 +3156,7 @@
             </a:r>
             <a:r>
               <a:rPr lang="en-US" altLang="ko-KR" sz="3200" i="1" smtClean="0"/>
-              <a:t> </a:t>
-            </a:r>
-            <a:r>
-              <a:rPr lang="en-US" altLang="ko-KR" sz="3200" i="1" smtClean="0"/>
-              <a:t>10</a:t>
+              <a:t> 10</a:t>
             </a:r>
             <a:r>
               <a:rPr lang="ko-KR" altLang="en-US" sz="3200" i="1" smtClean="0"/>
@@ -3205,13 +3203,8 @@
           <a:p>
             <a:r>
               <a:rPr lang="en-US" altLang="ko-KR" smtClean="0"/>
-              <a:t>2019. </a:t>
-            </a:r>
-            <a:r>
-              <a:rPr lang="en-US" altLang="ko-KR" smtClean="0"/>
-              <a:t>4. 5</a:t>
-            </a:r>
-            <a:endParaRPr lang="en-US" altLang="ko-KR" smtClean="0"/>
+              <a:t>2019. 4. 5</a:t>
+            </a:r>
           </a:p>
           <a:p>
             <a:r>
@@ -5650,15 +5643,7 @@
                   <a:schemeClr val="bg1"/>
                 </a:solidFill>
               </a:rPr>
-              <a:t>	</a:t>
-            </a:r>
-            <a:r>
-              <a:rPr lang="ko-KR" altLang="en-US">
-                <a:solidFill>
-                  <a:schemeClr val="bg1"/>
-                </a:solidFill>
-              </a:rPr>
-              <a:t>세로 </a:t>
+              <a:t>	세로 </a:t>
             </a:r>
             <a:r>
               <a:rPr lang="en-US" altLang="ko-KR">
@@ -6469,15 +6454,7 @@
                   <a:schemeClr val="bg1"/>
                 </a:solidFill>
               </a:rPr>
-              <a:t>, </a:t>
-            </a:r>
-            <a:r>
-              <a:rPr lang="en-US" altLang="ko-KR">
-                <a:solidFill>
-                  <a:schemeClr val="bg1"/>
-                </a:solidFill>
-              </a:rPr>
-              <a:t>99</a:t>
+              <a:t>, 99</a:t>
             </a:r>
             <a:r>
               <a:rPr lang="en-US" altLang="ko-KR" smtClean="0">
@@ -7370,15 +7347,7 @@
             </a:r>
             <a:r>
               <a:rPr lang="en-US" altLang="ko-KR" sz="2800" smtClean="0"/>
-              <a:t>[</a:t>
-            </a:r>
-            <a:r>
-              <a:rPr lang="en-US" altLang="ko-KR" sz="2800" smtClean="0"/>
-              <a:t>50006] </a:t>
-            </a:r>
-            <a:r>
-              <a:rPr lang="en-US" altLang="ko-KR" sz="2800" smtClean="0"/>
-              <a:t>= 1 </a:t>
+              <a:t>[50006] = 1 </a:t>
             </a:r>
             <a:r>
               <a:rPr lang="ko-KR" altLang="en-US" sz="2800" smtClean="0"/>
@@ -7801,15 +7770,7 @@
                   <a:schemeClr val="bg1"/>
                 </a:solidFill>
               </a:rPr>
-              <a:t>, </a:t>
-            </a:r>
-            <a:r>
-              <a:rPr lang="en-US" altLang="ko-KR">
-                <a:solidFill>
-                  <a:schemeClr val="bg1"/>
-                </a:solidFill>
-              </a:rPr>
-              <a:t>99</a:t>
+              <a:t>, 99</a:t>
             </a:r>
             <a:r>
               <a:rPr lang="en-US" altLang="ko-KR" smtClean="0">
@@ -9018,19 +8979,15 @@
           <a:p>
             <a:r>
               <a:rPr lang="ko-KR" altLang="en-US" smtClean="0"/>
-              <a:t>게임 재시작</a:t>
+              <a:t>참</a:t>
             </a:r>
             <a:r>
               <a:rPr lang="en-US" altLang="ko-KR" smtClean="0"/>
-              <a:t>(</a:t>
+              <a:t>/</a:t>
             </a:r>
             <a:r>
               <a:rPr lang="ko-KR" altLang="en-US" smtClean="0"/>
-              <a:t>초기화</a:t>
-            </a:r>
-            <a:r>
-              <a:rPr lang="en-US" altLang="ko-KR" smtClean="0"/>
-              <a:t>)</a:t>
+              <a:t>거짓 판단</a:t>
             </a:r>
             <a:endParaRPr lang="ko-KR" altLang="en-US"/>
           </a:p>
@@ -9044,8 +9001,8 @@
         </p:nvSpPr>
         <p:spPr>
           <a:xfrm>
-            <a:off x="323528" y="1556793"/>
-            <a:ext cx="7704856" cy="3888431"/>
+            <a:off x="323528" y="1412777"/>
+            <a:ext cx="8280920" cy="3672408"/>
           </a:xfrm>
           <a:prstGeom prst="rect">
             <a:avLst/>
@@ -9073,17 +9030,122 @@
           <a:p>
             <a:pPr defTabSz="360000"/>
             <a:r>
+              <a:rPr lang="ko-KR" altLang="en-US" b="1">
+                <a:solidFill>
+                  <a:srgbClr val="FFFF00"/>
+                </a:solidFill>
+              </a:rPr>
+              <a:t>참</a:t>
+            </a:r>
+            <a:r>
               <a:rPr lang="ko-KR" altLang="en-US" smtClean="0">
                 <a:solidFill>
                   <a:schemeClr val="bg1"/>
                 </a:solidFill>
               </a:rPr>
-              <a:t>게임중 동안</a:t>
+              <a:t>은 무조건 </a:t>
+            </a:r>
+            <a:r>
+              <a:rPr lang="en-US" altLang="ko-KR" smtClean="0">
+                <a:solidFill>
+                  <a:schemeClr val="bg1"/>
+                </a:solidFill>
+                <a:sym typeface="Wingdings" panose="05000000000000000000" pitchFamily="2" charset="2"/>
+              </a:rPr>
+              <a:t> 1</a:t>
+            </a:r>
+          </a:p>
+          <a:p>
+            <a:pPr defTabSz="360000"/>
+            <a:r>
+              <a:rPr lang="ko-KR" altLang="en-US" b="1">
+                <a:solidFill>
+                  <a:srgbClr val="FFFF00"/>
+                </a:solidFill>
+                <a:sym typeface="Wingdings" panose="05000000000000000000" pitchFamily="2" charset="2"/>
+              </a:rPr>
+              <a:t>거짓</a:t>
+            </a:r>
+            <a:r>
+              <a:rPr lang="ko-KR" altLang="en-US" smtClean="0">
+                <a:solidFill>
+                  <a:schemeClr val="bg1"/>
+                </a:solidFill>
+                <a:sym typeface="Wingdings" panose="05000000000000000000" pitchFamily="2" charset="2"/>
+              </a:rPr>
+              <a:t>은 무조건 </a:t>
+            </a:r>
+            <a:r>
+              <a:rPr lang="en-US" altLang="ko-KR" smtClean="0">
+                <a:solidFill>
+                  <a:schemeClr val="bg1"/>
+                </a:solidFill>
+                <a:sym typeface="Wingdings" panose="05000000000000000000" pitchFamily="2" charset="2"/>
+              </a:rPr>
+              <a:t> 0</a:t>
+            </a:r>
+          </a:p>
+          <a:p>
+            <a:pPr defTabSz="360000"/>
+            <a:endParaRPr lang="en-US" altLang="ko-KR">
+              <a:solidFill>
+                <a:schemeClr val="bg1"/>
+              </a:solidFill>
+              <a:sym typeface="Wingdings" panose="05000000000000000000" pitchFamily="2" charset="2"/>
+            </a:endParaRPr>
+          </a:p>
+          <a:p>
+            <a:pPr defTabSz="360000"/>
+            <a:r>
+              <a:rPr lang="ko-KR" altLang="en-US" smtClean="0">
+                <a:solidFill>
+                  <a:schemeClr val="bg1"/>
+                </a:solidFill>
+                <a:sym typeface="Wingdings" panose="05000000000000000000" pitchFamily="2" charset="2"/>
+              </a:rPr>
+              <a:t>참 </a:t>
+            </a:r>
+            <a:r>
+              <a:rPr lang="en-US" altLang="ko-KR" smtClean="0">
+                <a:solidFill>
+                  <a:schemeClr val="bg1"/>
+                </a:solidFill>
+                <a:sym typeface="Wingdings" panose="05000000000000000000" pitchFamily="2" charset="2"/>
+              </a:rPr>
+              <a:t>* </a:t>
+            </a:r>
+            <a:r>
+              <a:rPr lang="ko-KR" altLang="en-US" smtClean="0">
+                <a:solidFill>
+                  <a:schemeClr val="bg1"/>
+                </a:solidFill>
+                <a:sym typeface="Wingdings" panose="05000000000000000000" pitchFamily="2" charset="2"/>
+              </a:rPr>
+              <a:t>참 </a:t>
+            </a:r>
+            <a:r>
+              <a:rPr lang="en-US" altLang="ko-KR" smtClean="0">
+                <a:solidFill>
+                  <a:schemeClr val="bg1"/>
+                </a:solidFill>
+                <a:sym typeface="Wingdings" panose="05000000000000000000" pitchFamily="2" charset="2"/>
+              </a:rPr>
+              <a:t> 1 * 1  1  </a:t>
+            </a:r>
+            <a:r>
+              <a:rPr lang="ko-KR" altLang="en-US" smtClean="0">
+                <a:solidFill>
+                  <a:schemeClr val="bg1"/>
+                </a:solidFill>
+                <a:sym typeface="Wingdings" panose="05000000000000000000" pitchFamily="2" charset="2"/>
+              </a:rPr>
+              <a:t>참</a:t>
             </a:r>
             <a:endParaRPr lang="en-US" altLang="ko-KR" smtClean="0">
               <a:solidFill>
                 <a:schemeClr val="bg1"/>
               </a:solidFill>
+              <a:sym typeface="Wingdings" panose="05000000000000000000" pitchFamily="2" charset="2"/>
             </a:endParaRPr>
           </a:p>
           <a:p>
@@ -9092,15 +9154,164 @@
               <a:solidFill>
                 <a:schemeClr val="bg1"/>
               </a:solidFill>
+              <a:sym typeface="Wingdings" panose="05000000000000000000" pitchFamily="2" charset="2"/>
             </a:endParaRPr>
           </a:p>
           <a:p>
             <a:pPr defTabSz="360000"/>
             <a:r>
+              <a:rPr lang="ko-KR" altLang="en-US" smtClean="0">
+                <a:solidFill>
+                  <a:schemeClr val="bg1"/>
+                </a:solidFill>
+                <a:sym typeface="Wingdings" panose="05000000000000000000" pitchFamily="2" charset="2"/>
+              </a:rPr>
+              <a:t>강사님</a:t>
+            </a:r>
+            <a:r>
+              <a:rPr lang="ko-KR" altLang="en-US">
+                <a:solidFill>
+                  <a:schemeClr val="bg1"/>
+                </a:solidFill>
+                <a:sym typeface="Wingdings" panose="05000000000000000000" pitchFamily="2" charset="2"/>
+              </a:rPr>
+              <a:t>은</a:t>
+            </a:r>
+            <a:r>
+              <a:rPr lang="ko-KR" altLang="en-US" smtClean="0">
+                <a:solidFill>
+                  <a:schemeClr val="bg1"/>
+                </a:solidFill>
+                <a:sym typeface="Wingdings" panose="05000000000000000000" pitchFamily="2" charset="2"/>
+              </a:rPr>
+              <a:t> 사람</a:t>
+            </a:r>
+            <a:r>
+              <a:rPr lang="ko-KR" altLang="en-US" b="1" smtClean="0">
+                <a:solidFill>
+                  <a:srgbClr val="FFFF00"/>
+                </a:solidFill>
+                <a:sym typeface="Wingdings" panose="05000000000000000000" pitchFamily="2" charset="2"/>
+              </a:rPr>
+              <a:t>이고</a:t>
+            </a:r>
+            <a:r>
+              <a:rPr lang="ko-KR" altLang="en-US" smtClean="0">
+                <a:solidFill>
+                  <a:schemeClr val="bg1"/>
+                </a:solidFill>
+                <a:sym typeface="Wingdings" panose="05000000000000000000" pitchFamily="2" charset="2"/>
+              </a:rPr>
+              <a:t> 남자이다 </a:t>
+            </a:r>
+            <a:r>
+              <a:rPr lang="en-US" altLang="ko-KR" smtClean="0">
+                <a:solidFill>
+                  <a:schemeClr val="bg1"/>
+                </a:solidFill>
+                <a:sym typeface="Wingdings" panose="05000000000000000000" pitchFamily="2" charset="2"/>
+              </a:rPr>
+              <a:t> (</a:t>
+            </a:r>
+            <a:r>
+              <a:rPr lang="ko-KR" altLang="en-US" smtClean="0">
+                <a:solidFill>
+                  <a:schemeClr val="bg1"/>
+                </a:solidFill>
+                <a:sym typeface="Wingdings" panose="05000000000000000000" pitchFamily="2" charset="2"/>
+              </a:rPr>
+              <a:t>강사</a:t>
+            </a:r>
+            <a:r>
+              <a:rPr lang="ko-KR" altLang="en-US">
+                <a:solidFill>
+                  <a:schemeClr val="bg1"/>
+                </a:solidFill>
+                <a:sym typeface="Wingdings" panose="05000000000000000000" pitchFamily="2" charset="2"/>
+              </a:rPr>
+              <a:t>님</a:t>
+            </a:r>
+            <a:r>
+              <a:rPr lang="en-US" altLang="ko-KR" smtClean="0">
+                <a:solidFill>
+                  <a:schemeClr val="bg1"/>
+                </a:solidFill>
+                <a:sym typeface="Wingdings" panose="05000000000000000000" pitchFamily="2" charset="2"/>
+              </a:rPr>
+              <a:t>=</a:t>
+            </a:r>
+            <a:r>
+              <a:rPr lang="ko-KR" altLang="en-US" smtClean="0">
+                <a:solidFill>
+                  <a:schemeClr val="bg1"/>
+                </a:solidFill>
+                <a:sym typeface="Wingdings" panose="05000000000000000000" pitchFamily="2" charset="2"/>
+              </a:rPr>
+              <a:t>사람</a:t>
+            </a:r>
+            <a:r>
+              <a:rPr lang="en-US" altLang="ko-KR" smtClean="0">
+                <a:solidFill>
+                  <a:schemeClr val="bg1"/>
+                </a:solidFill>
+                <a:sym typeface="Wingdings" panose="05000000000000000000" pitchFamily="2" charset="2"/>
+              </a:rPr>
+              <a:t>) * (</a:t>
+            </a:r>
+            <a:r>
+              <a:rPr lang="ko-KR" altLang="en-US" smtClean="0">
+                <a:solidFill>
+                  <a:schemeClr val="bg1"/>
+                </a:solidFill>
+                <a:sym typeface="Wingdings" panose="05000000000000000000" pitchFamily="2" charset="2"/>
+              </a:rPr>
+              <a:t>강사</a:t>
+            </a:r>
+            <a:r>
+              <a:rPr lang="ko-KR" altLang="en-US">
+                <a:solidFill>
+                  <a:schemeClr val="bg1"/>
+                </a:solidFill>
+                <a:sym typeface="Wingdings" panose="05000000000000000000" pitchFamily="2" charset="2"/>
+              </a:rPr>
+              <a:t>님</a:t>
+            </a:r>
+            <a:r>
+              <a:rPr lang="en-US" altLang="ko-KR" smtClean="0">
+                <a:solidFill>
+                  <a:schemeClr val="bg1"/>
+                </a:solidFill>
+                <a:sym typeface="Wingdings" panose="05000000000000000000" pitchFamily="2" charset="2"/>
+              </a:rPr>
+              <a:t>=</a:t>
+            </a:r>
+            <a:r>
+              <a:rPr lang="ko-KR" altLang="en-US" smtClean="0">
+                <a:solidFill>
+                  <a:schemeClr val="bg1"/>
+                </a:solidFill>
+                <a:sym typeface="Wingdings" panose="05000000000000000000" pitchFamily="2" charset="2"/>
+              </a:rPr>
+              <a:t>남자</a:t>
+            </a:r>
+            <a:r>
+              <a:rPr lang="en-US" altLang="ko-KR" smtClean="0">
+                <a:solidFill>
+                  <a:schemeClr val="bg1"/>
+                </a:solidFill>
+                <a:sym typeface="Wingdings" panose="05000000000000000000" pitchFamily="2" charset="2"/>
+              </a:rPr>
+              <a:t>)</a:t>
+            </a:r>
+          </a:p>
+          <a:p>
+            <a:pPr defTabSz="360000"/>
+            <a:r>
               <a:rPr lang="en-US" altLang="ko-KR">
                 <a:solidFill>
                   <a:schemeClr val="bg1"/>
                 </a:solidFill>
+                <a:sym typeface="Wingdings" panose="05000000000000000000" pitchFamily="2" charset="2"/>
               </a:rPr>
               <a:t>	</a:t>
             </a:r>
@@ -9109,376 +9320,549 @@
                 <a:solidFill>
                   <a:schemeClr val="bg1"/>
                 </a:solidFill>
-              </a:rPr>
-              <a:t># </a:t>
+                <a:sym typeface="Wingdings" panose="05000000000000000000" pitchFamily="2" charset="2"/>
+              </a:rPr>
+              <a:t>	 1 * 1 =&gt; 1  </a:t>
             </a:r>
             <a:r>
               <a:rPr lang="ko-KR" altLang="en-US" smtClean="0">
                 <a:solidFill>
                   <a:schemeClr val="bg1"/>
                 </a:solidFill>
-              </a:rPr>
-              <a:t>중간 생략</a:t>
+                <a:sym typeface="Wingdings" panose="05000000000000000000" pitchFamily="2" charset="2"/>
+              </a:rPr>
+              <a:t>참</a:t>
             </a:r>
             <a:endParaRPr lang="en-US" altLang="ko-KR" smtClean="0">
               <a:solidFill>
                 <a:schemeClr val="bg1"/>
               </a:solidFill>
+              <a:sym typeface="Wingdings" panose="05000000000000000000" pitchFamily="2" charset="2"/>
             </a:endParaRPr>
           </a:p>
           <a:p>
             <a:pPr defTabSz="360000"/>
+            <a:endParaRPr lang="en-US" altLang="ko-KR">
+              <a:solidFill>
+                <a:schemeClr val="bg1"/>
+              </a:solidFill>
+              <a:sym typeface="Wingdings" panose="05000000000000000000" pitchFamily="2" charset="2"/>
+            </a:endParaRPr>
+          </a:p>
+          <a:p>
+            <a:pPr defTabSz="360000"/>
+            <a:r>
+              <a:rPr lang="ko-KR" altLang="en-US" smtClean="0">
+                <a:solidFill>
+                  <a:schemeClr val="bg1"/>
+                </a:solidFill>
+                <a:sym typeface="Wingdings" panose="05000000000000000000" pitchFamily="2" charset="2"/>
+              </a:rPr>
+              <a:t>참 </a:t>
+            </a:r>
+            <a:r>
+              <a:rPr lang="en-US" altLang="ko-KR" smtClean="0">
+                <a:solidFill>
+                  <a:schemeClr val="bg1"/>
+                </a:solidFill>
+                <a:sym typeface="Wingdings" panose="05000000000000000000" pitchFamily="2" charset="2"/>
+              </a:rPr>
+              <a:t>+ </a:t>
+            </a:r>
+            <a:r>
+              <a:rPr lang="ko-KR" altLang="en-US" smtClean="0">
+                <a:solidFill>
+                  <a:schemeClr val="bg1"/>
+                </a:solidFill>
+                <a:sym typeface="Wingdings" panose="05000000000000000000" pitchFamily="2" charset="2"/>
+              </a:rPr>
+              <a:t>거짓 </a:t>
+            </a:r>
+            <a:r>
+              <a:rPr lang="en-US" altLang="ko-KR" smtClean="0">
+                <a:solidFill>
+                  <a:schemeClr val="bg1"/>
+                </a:solidFill>
+                <a:sym typeface="Wingdings" panose="05000000000000000000" pitchFamily="2" charset="2"/>
+              </a:rPr>
+              <a:t> 1 + 0  1  </a:t>
+            </a:r>
+            <a:r>
+              <a:rPr lang="ko-KR" altLang="en-US" smtClean="0">
+                <a:solidFill>
+                  <a:schemeClr val="bg1"/>
+                </a:solidFill>
+                <a:sym typeface="Wingdings" panose="05000000000000000000" pitchFamily="2" charset="2"/>
+              </a:rPr>
+              <a:t>참</a:t>
+            </a:r>
             <a:endParaRPr lang="en-US" altLang="ko-KR" smtClean="0">
               <a:solidFill>
                 <a:schemeClr val="bg1"/>
               </a:solidFill>
+              <a:sym typeface="Wingdings" panose="05000000000000000000" pitchFamily="2" charset="2"/>
             </a:endParaRPr>
           </a:p>
           <a:p>
             <a:pPr defTabSz="360000"/>
+            <a:endParaRPr lang="en-US" altLang="ko-KR">
+              <a:solidFill>
+                <a:schemeClr val="bg1"/>
+              </a:solidFill>
+              <a:sym typeface="Wingdings" panose="05000000000000000000" pitchFamily="2" charset="2"/>
+            </a:endParaRPr>
+          </a:p>
+          <a:p>
+            <a:pPr defTabSz="360000"/>
+            <a:r>
+              <a:rPr lang="ko-KR" altLang="en-US" smtClean="0">
+                <a:solidFill>
+                  <a:schemeClr val="bg1"/>
+                </a:solidFill>
+                <a:sym typeface="Wingdings" panose="05000000000000000000" pitchFamily="2" charset="2"/>
+              </a:rPr>
+              <a:t>강사님은 남자</a:t>
+            </a:r>
+            <a:r>
+              <a:rPr lang="ko-KR" altLang="en-US" b="1">
+                <a:solidFill>
+                  <a:srgbClr val="FFFF00"/>
+                </a:solidFill>
+                <a:sym typeface="Wingdings" panose="05000000000000000000" pitchFamily="2" charset="2"/>
+              </a:rPr>
+              <a:t>이거나</a:t>
+            </a:r>
+            <a:r>
+              <a:rPr lang="ko-KR" altLang="en-US" smtClean="0">
+                <a:solidFill>
+                  <a:schemeClr val="bg1"/>
+                </a:solidFill>
+                <a:sym typeface="Wingdings" panose="05000000000000000000" pitchFamily="2" charset="2"/>
+              </a:rPr>
+              <a:t> 미국사람이다 </a:t>
+            </a:r>
+            <a:r>
+              <a:rPr lang="en-US" altLang="ko-KR" smtClean="0">
+                <a:solidFill>
+                  <a:schemeClr val="bg1"/>
+                </a:solidFill>
+                <a:sym typeface="Wingdings" panose="05000000000000000000" pitchFamily="2" charset="2"/>
+              </a:rPr>
+              <a:t> (</a:t>
+            </a:r>
+            <a:r>
+              <a:rPr lang="ko-KR" altLang="en-US" smtClean="0">
+                <a:solidFill>
+                  <a:schemeClr val="bg1"/>
+                </a:solidFill>
+                <a:sym typeface="Wingdings" panose="05000000000000000000" pitchFamily="2" charset="2"/>
+              </a:rPr>
+              <a:t>강사님</a:t>
+            </a:r>
+            <a:r>
+              <a:rPr lang="en-US" altLang="ko-KR" smtClean="0">
+                <a:solidFill>
+                  <a:schemeClr val="bg1"/>
+                </a:solidFill>
+                <a:sym typeface="Wingdings" panose="05000000000000000000" pitchFamily="2" charset="2"/>
+              </a:rPr>
+              <a:t>=</a:t>
+            </a:r>
+            <a:r>
+              <a:rPr lang="ko-KR" altLang="en-US" smtClean="0">
+                <a:solidFill>
+                  <a:schemeClr val="bg1"/>
+                </a:solidFill>
+                <a:sym typeface="Wingdings" panose="05000000000000000000" pitchFamily="2" charset="2"/>
+              </a:rPr>
+              <a:t>남자</a:t>
+            </a:r>
+            <a:r>
+              <a:rPr lang="en-US" altLang="ko-KR" smtClean="0">
+                <a:solidFill>
+                  <a:schemeClr val="bg1"/>
+                </a:solidFill>
+                <a:sym typeface="Wingdings" panose="05000000000000000000" pitchFamily="2" charset="2"/>
+              </a:rPr>
+              <a:t>) + (</a:t>
+            </a:r>
+            <a:r>
+              <a:rPr lang="ko-KR" altLang="en-US" smtClean="0">
+                <a:solidFill>
+                  <a:schemeClr val="bg1"/>
+                </a:solidFill>
+                <a:sym typeface="Wingdings" panose="05000000000000000000" pitchFamily="2" charset="2"/>
+              </a:rPr>
+              <a:t>강사님</a:t>
+            </a:r>
+            <a:r>
+              <a:rPr lang="en-US" altLang="ko-KR" smtClean="0">
+                <a:solidFill>
+                  <a:schemeClr val="bg1"/>
+                </a:solidFill>
+                <a:sym typeface="Wingdings" panose="05000000000000000000" pitchFamily="2" charset="2"/>
+              </a:rPr>
+              <a:t>=</a:t>
+            </a:r>
+            <a:r>
+              <a:rPr lang="ko-KR" altLang="en-US" smtClean="0">
+                <a:solidFill>
+                  <a:schemeClr val="bg1"/>
+                </a:solidFill>
+                <a:sym typeface="Wingdings" panose="05000000000000000000" pitchFamily="2" charset="2"/>
+              </a:rPr>
+              <a:t>미국사람</a:t>
+            </a:r>
+            <a:r>
+              <a:rPr lang="en-US" altLang="ko-KR" smtClean="0">
+                <a:solidFill>
+                  <a:schemeClr val="bg1"/>
+                </a:solidFill>
+                <a:sym typeface="Wingdings" panose="05000000000000000000" pitchFamily="2" charset="2"/>
+              </a:rPr>
+              <a:t>)</a:t>
+            </a:r>
+          </a:p>
+          <a:p>
+            <a:pPr defTabSz="360000"/>
             <a:r>
               <a:rPr lang="en-US" altLang="ko-KR">
                 <a:solidFill>
                   <a:schemeClr val="bg1"/>
                 </a:solidFill>
+                <a:sym typeface="Wingdings" panose="05000000000000000000" pitchFamily="2" charset="2"/>
               </a:rPr>
               <a:t>	</a:t>
             </a:r>
             <a:r>
-              <a:rPr lang="en-US" altLang="ko-KR">
-                <a:solidFill>
-                  <a:schemeClr val="bg1"/>
-                </a:solidFill>
-              </a:rPr>
-              <a:t>(</a:t>
-            </a:r>
-            <a:r>
-              <a:rPr lang="ko-KR" altLang="en-US">
-                <a:solidFill>
-                  <a:schemeClr val="bg1"/>
-                </a:solidFill>
-              </a:rPr>
-              <a:t>세로</a:t>
-            </a:r>
-            <a:r>
-              <a:rPr lang="en-US" altLang="ko-KR">
-                <a:solidFill>
-                  <a:schemeClr val="bg1"/>
-                </a:solidFill>
-              </a:rPr>
-              <a:t>=88) * (</a:t>
-            </a:r>
-            <a:r>
-              <a:rPr lang="ko-KR" altLang="en-US">
-                <a:solidFill>
-                  <a:schemeClr val="bg1"/>
-                </a:solidFill>
-              </a:rPr>
-              <a:t>가로</a:t>
-            </a:r>
-            <a:r>
-              <a:rPr lang="en-US" altLang="ko-KR">
-                <a:solidFill>
-                  <a:schemeClr val="bg1"/>
-                </a:solidFill>
-              </a:rPr>
-              <a:t>&gt;=(</a:t>
-            </a:r>
-            <a:r>
-              <a:rPr lang="ko-KR" altLang="en-US">
-                <a:solidFill>
-                  <a:schemeClr val="bg1"/>
-                </a:solidFill>
-              </a:rPr>
-              <a:t>막대위치</a:t>
-            </a:r>
-            <a:r>
-              <a:rPr lang="en-US" altLang="ko-KR">
-                <a:solidFill>
-                  <a:schemeClr val="bg1"/>
-                </a:solidFill>
-              </a:rPr>
-              <a:t>-1)) * (</a:t>
-            </a:r>
-            <a:r>
-              <a:rPr lang="ko-KR" altLang="en-US">
-                <a:solidFill>
-                  <a:schemeClr val="bg1"/>
-                </a:solidFill>
-              </a:rPr>
-              <a:t>가로</a:t>
-            </a:r>
-            <a:r>
-              <a:rPr lang="en-US" altLang="ko-KR">
-                <a:solidFill>
-                  <a:schemeClr val="bg1"/>
-                </a:solidFill>
-              </a:rPr>
-              <a:t>&lt;=(</a:t>
-            </a:r>
-            <a:r>
-              <a:rPr lang="ko-KR" altLang="en-US">
-                <a:solidFill>
-                  <a:schemeClr val="bg1"/>
-                </a:solidFill>
-              </a:rPr>
-              <a:t>막대위치</a:t>
-            </a:r>
-            <a:r>
-              <a:rPr lang="en-US" altLang="ko-KR">
-                <a:solidFill>
-                  <a:schemeClr val="bg1"/>
-                </a:solidFill>
-              </a:rPr>
-              <a:t>+19)) </a:t>
-            </a:r>
-            <a:r>
-              <a:rPr lang="ko-KR" altLang="en-US">
-                <a:solidFill>
-                  <a:schemeClr val="bg1"/>
-                </a:solidFill>
-              </a:rPr>
-              <a:t>이면</a:t>
-            </a:r>
-          </a:p>
-          <a:p>
-            <a:pPr defTabSz="360000"/>
-            <a:r>
-              <a:rPr lang="ko-KR" altLang="en-US">
-                <a:solidFill>
-                  <a:schemeClr val="bg1"/>
-                </a:solidFill>
-              </a:rPr>
-              <a:t>		세로속도 </a:t>
-            </a:r>
-            <a:r>
-              <a:rPr lang="en-US" altLang="ko-KR">
-                <a:solidFill>
-                  <a:schemeClr val="bg1"/>
-                </a:solidFill>
-              </a:rPr>
-              <a:t>-&gt; -</a:t>
-            </a:r>
-            <a:r>
-              <a:rPr lang="ko-KR" altLang="en-US">
-                <a:solidFill>
-                  <a:schemeClr val="bg1"/>
-                </a:solidFill>
-              </a:rPr>
-              <a:t>세로속도</a:t>
-            </a:r>
-          </a:p>
-          <a:p>
-            <a:pPr defTabSz="360000"/>
-            <a:r>
-              <a:rPr lang="ko-KR" altLang="en-US">
-                <a:solidFill>
-                  <a:schemeClr val="bg1"/>
-                </a:solidFill>
-              </a:rPr>
-              <a:t>		</a:t>
-            </a:r>
-          </a:p>
-          <a:p>
-            <a:pPr defTabSz="360000"/>
-            <a:r>
-              <a:rPr lang="ko-KR" altLang="en-US">
-                <a:solidFill>
-                  <a:schemeClr val="bg1"/>
-                </a:solidFill>
-              </a:rPr>
-              <a:t>	</a:t>
-            </a:r>
-            <a:r>
-              <a:rPr lang="ko-KR" altLang="en-US" b="1">
-                <a:solidFill>
-                  <a:srgbClr val="FFFF00"/>
-                </a:solidFill>
-              </a:rPr>
-              <a:t>세로 </a:t>
-            </a:r>
-            <a:r>
-              <a:rPr lang="en-US" altLang="ko-KR" b="1">
-                <a:solidFill>
-                  <a:srgbClr val="FFFF00"/>
-                </a:solidFill>
-              </a:rPr>
-              <a:t>&gt; 98 </a:t>
-            </a:r>
-            <a:r>
-              <a:rPr lang="ko-KR" altLang="en-US" b="1">
-                <a:solidFill>
-                  <a:srgbClr val="FFFF00"/>
-                </a:solidFill>
-              </a:rPr>
-              <a:t>이면</a:t>
-            </a:r>
-          </a:p>
-          <a:p>
-            <a:pPr defTabSz="360000"/>
-            <a:r>
-              <a:rPr lang="ko-KR" altLang="en-US" b="1">
-                <a:solidFill>
-                  <a:srgbClr val="FFFF00"/>
-                </a:solidFill>
-              </a:rPr>
-              <a:t>		세로 </a:t>
-            </a:r>
-            <a:r>
-              <a:rPr lang="en-US" altLang="ko-KR" b="1">
-                <a:solidFill>
-                  <a:srgbClr val="FFFF00"/>
-                </a:solidFill>
-              </a:rPr>
-              <a:t>-&gt; 7</a:t>
-            </a:r>
-          </a:p>
-          <a:p>
-            <a:pPr defTabSz="360000"/>
-            <a:r>
-              <a:rPr lang="en-US" altLang="ko-KR" b="1">
-                <a:solidFill>
-                  <a:srgbClr val="FFFF00"/>
-                </a:solidFill>
-              </a:rPr>
-              <a:t>		</a:t>
-            </a:r>
-            <a:r>
-              <a:rPr lang="ko-KR" altLang="en-US" b="1">
-                <a:solidFill>
-                  <a:srgbClr val="FFFF00"/>
-                </a:solidFill>
-              </a:rPr>
-              <a:t>가로 </a:t>
-            </a:r>
-            <a:r>
-              <a:rPr lang="en-US" altLang="ko-KR" b="1">
-                <a:solidFill>
-                  <a:srgbClr val="FFFF00"/>
-                </a:solidFill>
-              </a:rPr>
-              <a:t>-&gt; 37</a:t>
-            </a:r>
-          </a:p>
-          <a:p>
-            <a:pPr defTabSz="360000"/>
-            <a:r>
-              <a:rPr lang="en-US" altLang="ko-KR" b="1">
-                <a:solidFill>
-                  <a:srgbClr val="FFFF00"/>
-                </a:solidFill>
-              </a:rPr>
-              <a:t>		</a:t>
-            </a:r>
-            <a:r>
-              <a:rPr lang="ko-KR" altLang="en-US" b="1">
-                <a:solidFill>
-                  <a:srgbClr val="FFFF00"/>
-                </a:solidFill>
-              </a:rPr>
-              <a:t>세로속도 </a:t>
-            </a:r>
-            <a:r>
-              <a:rPr lang="en-US" altLang="ko-KR" b="1">
-                <a:solidFill>
-                  <a:srgbClr val="FFFF00"/>
-                </a:solidFill>
-              </a:rPr>
-              <a:t>-&gt; 1</a:t>
-            </a:r>
-          </a:p>
-          <a:p>
-            <a:pPr defTabSz="360000"/>
-            <a:r>
-              <a:rPr lang="en-US" altLang="ko-KR" b="1">
-                <a:solidFill>
-                  <a:srgbClr val="FFFF00"/>
-                </a:solidFill>
-              </a:rPr>
-              <a:t>		</a:t>
-            </a:r>
-            <a:r>
-              <a:rPr lang="ko-KR" altLang="en-US" b="1">
-                <a:solidFill>
-                  <a:srgbClr val="FFFF00"/>
-                </a:solidFill>
-              </a:rPr>
-              <a:t>가로속도 </a:t>
-            </a:r>
-            <a:r>
-              <a:rPr lang="en-US" altLang="ko-KR" b="1">
-                <a:solidFill>
-                  <a:srgbClr val="FFFF00"/>
-                </a:solidFill>
-              </a:rPr>
-              <a:t>-&gt; 1</a:t>
-            </a:r>
-            <a:endParaRPr lang="ko-KR" altLang="en-US" b="1">
+              <a:rPr lang="en-US" altLang="ko-KR" smtClean="0">
+                <a:solidFill>
+                  <a:schemeClr val="bg1"/>
+                </a:solidFill>
+                <a:sym typeface="Wingdings" panose="05000000000000000000" pitchFamily="2" charset="2"/>
+              </a:rPr>
+              <a:t>	 1 + 0  1  </a:t>
+            </a:r>
+            <a:r>
+              <a:rPr lang="ko-KR" altLang="en-US" smtClean="0">
+                <a:solidFill>
+                  <a:schemeClr val="bg1"/>
+                </a:solidFill>
+                <a:sym typeface="Wingdings" panose="05000000000000000000" pitchFamily="2" charset="2"/>
+              </a:rPr>
+              <a:t>참</a:t>
+            </a:r>
+            <a:endParaRPr lang="en-US" altLang="ko-KR">
               <a:solidFill>
-                <a:srgbClr val="FFFF00"/>
+                <a:schemeClr val="bg1"/>
               </a:solidFill>
+              <a:sym typeface="Wingdings" panose="05000000000000000000" pitchFamily="2" charset="2"/>
             </a:endParaRPr>
           </a:p>
         </p:txBody>
       </p:sp>
-      <p:pic>
-        <p:nvPicPr>
-          <p:cNvPr id="11267" name="Picture 3"/>
-          <p:cNvPicPr>
-            <a:picLocks noChangeAspect="1" noChangeArrowheads="1"/>
-          </p:cNvPicPr>
+      <p:sp>
+        <p:nvSpPr>
+          <p:cNvPr id="5" name="TextBox 4"/>
+          <p:cNvSpPr txBox="1"/>
           <p:nvPr/>
-        </p:nvPicPr>
-        <p:blipFill>
-          <a:blip r:embed="rId2">
-            <a:extLst>
-              <a:ext uri="{28A0092B-C50C-407E-A947-70E740481C1C}">
-                <a14:useLocalDpi xmlns:a14="http://schemas.microsoft.com/office/drawing/2010/main" val="0"/>
-              </a:ext>
-            </a:extLst>
-          </a:blip>
-          <a:srcRect/>
-          <a:stretch>
-            <a:fillRect/>
-          </a:stretch>
-        </p:blipFill>
-        <p:spPr bwMode="auto">
+        </p:nvSpPr>
+        <p:spPr>
           <a:xfrm>
-            <a:off x="5652120" y="3717032"/>
-            <a:ext cx="2962275" cy="2981325"/>
+            <a:off x="1264015" y="5354052"/>
+            <a:ext cx="1996059" cy="1077218"/>
           </a:xfrm>
           <a:prstGeom prst="rect">
             <a:avLst/>
           </a:prstGeom>
-          <a:noFill/>
-          <a:ln>
-            <a:noFill/>
-          </a:ln>
-          <a:extLst>
-            <a:ext uri="{909E8E84-426E-40DD-AFC4-6F175D3DCCD1}">
-              <a14:hiddenFill xmlns:a14="http://schemas.microsoft.com/office/drawing/2010/main">
-                <a:solidFill>
-                  <a:schemeClr val="accent1"/>
-                </a:solidFill>
-              </a14:hiddenFill>
-            </a:ext>
-            <a:ext uri="{91240B29-F687-4F45-9708-019B960494DF}">
-              <a14:hiddenLine xmlns:a14="http://schemas.microsoft.com/office/drawing/2010/main" w="9525">
-                <a:solidFill>
-                  <a:schemeClr val="tx1"/>
-                </a:solidFill>
-                <a:miter lim="800000"/>
-                <a:headEnd/>
-                <a:tailEnd/>
-              </a14:hiddenLine>
-            </a:ext>
-          </a:extLst>
+          <a:solidFill>
+            <a:srgbClr val="FFFF00"/>
+          </a:solidFill>
         </p:spPr>
-      </p:pic>
+        <p:txBody>
+          <a:bodyPr wrap="none" rtlCol="0">
+            <a:spAutoFit/>
+          </a:bodyPr>
+          <a:lstStyle/>
+          <a:p>
+            <a:r>
+              <a:rPr lang="ko-KR" altLang="en-US" sz="1600" smtClean="0"/>
+              <a:t>참 </a:t>
+            </a:r>
+            <a:r>
+              <a:rPr lang="en-US" altLang="ko-KR" sz="1600" smtClean="0"/>
+              <a:t>* </a:t>
+            </a:r>
+            <a:r>
+              <a:rPr lang="ko-KR" altLang="en-US" sz="1600" smtClean="0"/>
+              <a:t>참 </a:t>
+            </a:r>
+            <a:r>
+              <a:rPr lang="en-US" altLang="ko-KR" sz="1600" smtClean="0">
+                <a:sym typeface="Wingdings" panose="05000000000000000000" pitchFamily="2" charset="2"/>
+              </a:rPr>
+              <a:t></a:t>
+            </a:r>
+            <a:r>
+              <a:rPr lang="en-US" altLang="ko-KR" sz="1600" smtClean="0"/>
+              <a:t> </a:t>
+            </a:r>
+            <a:r>
+              <a:rPr lang="ko-KR" altLang="en-US" sz="1600" smtClean="0"/>
+              <a:t>참</a:t>
+            </a:r>
+            <a:endParaRPr lang="en-US" altLang="ko-KR" sz="1600" smtClean="0"/>
+          </a:p>
+          <a:p>
+            <a:r>
+              <a:rPr lang="ko-KR" altLang="en-US" sz="1600" smtClean="0"/>
+              <a:t>참 </a:t>
+            </a:r>
+            <a:r>
+              <a:rPr lang="en-US" altLang="ko-KR" sz="1600" smtClean="0"/>
+              <a:t>* </a:t>
+            </a:r>
+            <a:r>
+              <a:rPr lang="ko-KR" altLang="en-US" sz="1600" smtClean="0"/>
+              <a:t>거짓 </a:t>
+            </a:r>
+            <a:r>
+              <a:rPr lang="en-US" altLang="ko-KR" sz="1600" smtClean="0">
+                <a:sym typeface="Wingdings" panose="05000000000000000000" pitchFamily="2" charset="2"/>
+              </a:rPr>
+              <a:t></a:t>
+            </a:r>
+            <a:r>
+              <a:rPr lang="en-US" altLang="ko-KR" sz="1600" smtClean="0"/>
+              <a:t> </a:t>
+            </a:r>
+            <a:r>
+              <a:rPr lang="ko-KR" altLang="en-US" sz="1600" smtClean="0"/>
+              <a:t>거짓</a:t>
+            </a:r>
+            <a:endParaRPr lang="en-US" altLang="ko-KR" sz="1600" smtClean="0"/>
+          </a:p>
+          <a:p>
+            <a:r>
+              <a:rPr lang="ko-KR" altLang="en-US" sz="1600" smtClean="0"/>
+              <a:t>거짓 </a:t>
+            </a:r>
+            <a:r>
+              <a:rPr lang="en-US" altLang="ko-KR" sz="1600" smtClean="0"/>
+              <a:t>* </a:t>
+            </a:r>
+            <a:r>
+              <a:rPr lang="ko-KR" altLang="en-US" sz="1600" smtClean="0"/>
+              <a:t>참 </a:t>
+            </a:r>
+            <a:r>
+              <a:rPr lang="en-US" altLang="ko-KR" sz="1600" smtClean="0">
+                <a:sym typeface="Wingdings" panose="05000000000000000000" pitchFamily="2" charset="2"/>
+              </a:rPr>
+              <a:t></a:t>
+            </a:r>
+            <a:r>
+              <a:rPr lang="en-US" altLang="ko-KR" sz="1600" smtClean="0"/>
+              <a:t> </a:t>
+            </a:r>
+            <a:r>
+              <a:rPr lang="ko-KR" altLang="en-US" sz="1600" smtClean="0"/>
+              <a:t>거짓</a:t>
+            </a:r>
+            <a:endParaRPr lang="en-US" altLang="ko-KR" sz="1600" smtClean="0"/>
+          </a:p>
+          <a:p>
+            <a:r>
+              <a:rPr lang="ko-KR" altLang="en-US" sz="1600" smtClean="0"/>
+              <a:t>거짓 </a:t>
+            </a:r>
+            <a:r>
+              <a:rPr lang="en-US" altLang="ko-KR" sz="1600" smtClean="0"/>
+              <a:t>* </a:t>
+            </a:r>
+            <a:r>
+              <a:rPr lang="ko-KR" altLang="en-US" sz="1600" smtClean="0"/>
+              <a:t>거짓 </a:t>
+            </a:r>
+            <a:r>
+              <a:rPr lang="en-US" altLang="ko-KR" sz="1600" smtClean="0">
+                <a:sym typeface="Wingdings" panose="05000000000000000000" pitchFamily="2" charset="2"/>
+              </a:rPr>
+              <a:t></a:t>
+            </a:r>
+            <a:r>
+              <a:rPr lang="en-US" altLang="ko-KR" sz="1600" smtClean="0"/>
+              <a:t> </a:t>
+            </a:r>
+            <a:r>
+              <a:rPr lang="ko-KR" altLang="en-US" sz="1600" smtClean="0"/>
+              <a:t>거짓</a:t>
+            </a:r>
+            <a:endParaRPr lang="ko-KR" altLang="en-US" sz="1600"/>
+          </a:p>
+        </p:txBody>
+      </p:sp>
+      <p:sp>
+        <p:nvSpPr>
+          <p:cNvPr id="6" name="TextBox 5"/>
+          <p:cNvSpPr txBox="1"/>
+          <p:nvPr/>
+        </p:nvSpPr>
+        <p:spPr>
+          <a:xfrm>
+            <a:off x="5076056" y="5354052"/>
+            <a:ext cx="2053767" cy="1077218"/>
+          </a:xfrm>
+          <a:prstGeom prst="rect">
+            <a:avLst/>
+          </a:prstGeom>
+          <a:solidFill>
+            <a:srgbClr val="FFFF00"/>
+          </a:solidFill>
+        </p:spPr>
+        <p:txBody>
+          <a:bodyPr wrap="none" rtlCol="0">
+            <a:spAutoFit/>
+          </a:bodyPr>
+          <a:lstStyle/>
+          <a:p>
+            <a:r>
+              <a:rPr lang="ko-KR" altLang="en-US" sz="1600" smtClean="0"/>
+              <a:t>참 </a:t>
+            </a:r>
+            <a:r>
+              <a:rPr lang="en-US" altLang="ko-KR" sz="1600"/>
+              <a:t>+</a:t>
+            </a:r>
+            <a:r>
+              <a:rPr lang="en-US" altLang="ko-KR" sz="1600" smtClean="0"/>
+              <a:t> </a:t>
+            </a:r>
+            <a:r>
+              <a:rPr lang="ko-KR" altLang="en-US" sz="1600" smtClean="0"/>
+              <a:t>참 </a:t>
+            </a:r>
+            <a:r>
+              <a:rPr lang="en-US" altLang="ko-KR" sz="1600" smtClean="0">
+                <a:sym typeface="Wingdings" panose="05000000000000000000" pitchFamily="2" charset="2"/>
+              </a:rPr>
+              <a:t></a:t>
+            </a:r>
+            <a:r>
+              <a:rPr lang="en-US" altLang="ko-KR" sz="1600" smtClean="0"/>
+              <a:t> </a:t>
+            </a:r>
+            <a:r>
+              <a:rPr lang="ko-KR" altLang="en-US" sz="1600" smtClean="0"/>
+              <a:t>참</a:t>
+            </a:r>
+            <a:endParaRPr lang="en-US" altLang="ko-KR" sz="1600" smtClean="0"/>
+          </a:p>
+          <a:p>
+            <a:r>
+              <a:rPr lang="ko-KR" altLang="en-US" sz="1600" smtClean="0"/>
+              <a:t>참 </a:t>
+            </a:r>
+            <a:r>
+              <a:rPr lang="en-US" altLang="ko-KR" sz="1600"/>
+              <a:t>+</a:t>
+            </a:r>
+            <a:r>
+              <a:rPr lang="en-US" altLang="ko-KR" sz="1600" smtClean="0"/>
+              <a:t> </a:t>
+            </a:r>
+            <a:r>
+              <a:rPr lang="ko-KR" altLang="en-US" sz="1600" smtClean="0"/>
+              <a:t>거짓 </a:t>
+            </a:r>
+            <a:r>
+              <a:rPr lang="en-US" altLang="ko-KR" sz="1600" smtClean="0">
+                <a:sym typeface="Wingdings" panose="05000000000000000000" pitchFamily="2" charset="2"/>
+              </a:rPr>
+              <a:t></a:t>
+            </a:r>
+            <a:r>
+              <a:rPr lang="en-US" altLang="ko-KR" sz="1600" smtClean="0"/>
+              <a:t> </a:t>
+            </a:r>
+            <a:r>
+              <a:rPr lang="ko-KR" altLang="en-US" sz="1600"/>
+              <a:t>참</a:t>
+            </a:r>
+            <a:endParaRPr lang="en-US" altLang="ko-KR" sz="1600" smtClean="0"/>
+          </a:p>
+          <a:p>
+            <a:r>
+              <a:rPr lang="ko-KR" altLang="en-US" sz="1600" smtClean="0"/>
+              <a:t>거짓 </a:t>
+            </a:r>
+            <a:r>
+              <a:rPr lang="en-US" altLang="ko-KR" sz="1600"/>
+              <a:t>+</a:t>
+            </a:r>
+            <a:r>
+              <a:rPr lang="en-US" altLang="ko-KR" sz="1600" smtClean="0"/>
+              <a:t> </a:t>
+            </a:r>
+            <a:r>
+              <a:rPr lang="ko-KR" altLang="en-US" sz="1600" smtClean="0"/>
+              <a:t>참 </a:t>
+            </a:r>
+            <a:r>
+              <a:rPr lang="en-US" altLang="ko-KR" sz="1600" smtClean="0">
+                <a:sym typeface="Wingdings" panose="05000000000000000000" pitchFamily="2" charset="2"/>
+              </a:rPr>
+              <a:t></a:t>
+            </a:r>
+            <a:r>
+              <a:rPr lang="en-US" altLang="ko-KR" sz="1600" smtClean="0"/>
+              <a:t> </a:t>
+            </a:r>
+            <a:r>
+              <a:rPr lang="ko-KR" altLang="en-US" sz="1600"/>
+              <a:t>참</a:t>
+            </a:r>
+            <a:endParaRPr lang="en-US" altLang="ko-KR" sz="1600" smtClean="0"/>
+          </a:p>
+          <a:p>
+            <a:r>
+              <a:rPr lang="ko-KR" altLang="en-US" sz="1600" smtClean="0"/>
+              <a:t>거짓 </a:t>
+            </a:r>
+            <a:r>
+              <a:rPr lang="en-US" altLang="ko-KR" sz="1600"/>
+              <a:t>+</a:t>
+            </a:r>
+            <a:r>
+              <a:rPr lang="en-US" altLang="ko-KR" sz="1600" smtClean="0"/>
+              <a:t> </a:t>
+            </a:r>
+            <a:r>
+              <a:rPr lang="ko-KR" altLang="en-US" sz="1600" smtClean="0"/>
+              <a:t>거짓 </a:t>
+            </a:r>
+            <a:r>
+              <a:rPr lang="en-US" altLang="ko-KR" sz="1600" smtClean="0">
+                <a:sym typeface="Wingdings" panose="05000000000000000000" pitchFamily="2" charset="2"/>
+              </a:rPr>
+              <a:t></a:t>
+            </a:r>
+            <a:r>
+              <a:rPr lang="en-US" altLang="ko-KR" sz="1600" smtClean="0"/>
+              <a:t> </a:t>
+            </a:r>
+            <a:r>
+              <a:rPr lang="ko-KR" altLang="en-US" sz="1600" smtClean="0"/>
+              <a:t>거짓</a:t>
+            </a:r>
+            <a:endParaRPr lang="ko-KR" altLang="en-US" sz="1600"/>
+          </a:p>
+        </p:txBody>
+      </p:sp>
     </p:spTree>
     <p:extLst>
       <p:ext uri="{BB962C8B-B14F-4D97-AF65-F5344CB8AC3E}">
-        <p14:creationId xmlns:p14="http://schemas.microsoft.com/office/powerpoint/2010/main" val="1018160142"/>
+        <p14:creationId xmlns:p14="http://schemas.microsoft.com/office/powerpoint/2010/main" val="2156822119"/>
       </p:ext>
     </p:extLst>
   </p:cSld>
@@ -9522,7 +9906,15 @@
           <a:p>
             <a:r>
               <a:rPr lang="ko-KR" altLang="en-US" smtClean="0"/>
-              <a:t>점수 표시</a:t>
+              <a:t>참</a:t>
+            </a:r>
+            <a:r>
+              <a:rPr lang="en-US" altLang="ko-KR" smtClean="0"/>
+              <a:t>/</a:t>
+            </a:r>
+            <a:r>
+              <a:rPr lang="ko-KR" altLang="en-US" smtClean="0"/>
+              <a:t>거짓 문제</a:t>
             </a:r>
             <a:endParaRPr lang="ko-KR" altLang="en-US"/>
           </a:p>
@@ -9536,8 +9928,8 @@
         </p:nvSpPr>
         <p:spPr>
           <a:xfrm>
-            <a:off x="323528" y="1196753"/>
-            <a:ext cx="7704856" cy="5626570"/>
+            <a:off x="323528" y="1412777"/>
+            <a:ext cx="8280920" cy="3672408"/>
           </a:xfrm>
           <a:prstGeom prst="rect">
             <a:avLst/>
@@ -9565,722 +9957,749 @@
           <a:p>
             <a:pPr defTabSz="360000"/>
             <a:r>
-              <a:rPr lang="ko-KR" altLang="en-US" b="1">
-                <a:solidFill>
-                  <a:srgbClr val="FFFF00"/>
-                </a:solidFill>
-              </a:rPr>
-              <a:t>점수 </a:t>
-            </a:r>
-            <a:r>
-              <a:rPr lang="en-US" altLang="ko-KR" b="1">
-                <a:solidFill>
-                  <a:srgbClr val="FFFF00"/>
-                </a:solidFill>
-              </a:rPr>
-              <a:t>-&gt; 0</a:t>
+              <a:rPr lang="ko-KR" altLang="en-US" b="1" smtClean="0">
+                <a:solidFill>
+                  <a:srgbClr val="FFFF00"/>
+                </a:solidFill>
+                <a:sym typeface="Wingdings" panose="05000000000000000000" pitchFamily="2" charset="2"/>
+              </a:rPr>
+              <a:t>값 </a:t>
+            </a:r>
+            <a:r>
+              <a:rPr lang="en-US" altLang="ko-KR" b="1" smtClean="0">
+                <a:solidFill>
+                  <a:srgbClr val="FFFF00"/>
+                </a:solidFill>
+                <a:sym typeface="Wingdings" panose="05000000000000000000" pitchFamily="2" charset="2"/>
+              </a:rPr>
+              <a:t>-&gt; 3</a:t>
             </a:r>
           </a:p>
           <a:p>
             <a:pPr defTabSz="360000"/>
-            <a:endParaRPr lang="en-US" altLang="ko-KR" sz="1600" smtClean="0">
+            <a:r>
+              <a:rPr lang="en-US" altLang="ko-KR" b="1" smtClean="0">
+                <a:solidFill>
+                  <a:srgbClr val="FFFF00"/>
+                </a:solidFill>
+                <a:sym typeface="Wingdings" panose="05000000000000000000" pitchFamily="2" charset="2"/>
+              </a:rPr>
+              <a:t>(</a:t>
+            </a:r>
+            <a:r>
+              <a:rPr lang="ko-KR" altLang="en-US" b="1" smtClean="0">
+                <a:solidFill>
+                  <a:srgbClr val="FFFF00"/>
+                </a:solidFill>
+                <a:sym typeface="Wingdings" panose="05000000000000000000" pitchFamily="2" charset="2"/>
+              </a:rPr>
+              <a:t>값</a:t>
+            </a:r>
+            <a:r>
+              <a:rPr lang="en-US" altLang="ko-KR" b="1" smtClean="0">
+                <a:solidFill>
+                  <a:srgbClr val="FFFF00"/>
+                </a:solidFill>
+                <a:sym typeface="Wingdings" panose="05000000000000000000" pitchFamily="2" charset="2"/>
+              </a:rPr>
+              <a:t>&gt;0) * (</a:t>
+            </a:r>
+            <a:r>
+              <a:rPr lang="ko-KR" altLang="en-US" b="1" smtClean="0">
+                <a:solidFill>
+                  <a:srgbClr val="FFFF00"/>
+                </a:solidFill>
+                <a:sym typeface="Wingdings" panose="05000000000000000000" pitchFamily="2" charset="2"/>
+              </a:rPr>
+              <a:t>값</a:t>
+            </a:r>
+            <a:r>
+              <a:rPr lang="en-US" altLang="ko-KR" b="1" smtClean="0">
+                <a:solidFill>
+                  <a:srgbClr val="FFFF00"/>
+                </a:solidFill>
+                <a:sym typeface="Wingdings" panose="05000000000000000000" pitchFamily="2" charset="2"/>
+              </a:rPr>
+              <a:t>&lt;5) </a:t>
+            </a:r>
+            <a:r>
+              <a:rPr lang="en-US" altLang="ko-KR" smtClean="0">
+                <a:solidFill>
+                  <a:schemeClr val="bg1"/>
+                </a:solidFill>
+                <a:sym typeface="Wingdings" panose="05000000000000000000" pitchFamily="2" charset="2"/>
+              </a:rPr>
+              <a:t># </a:t>
+            </a:r>
+            <a:r>
+              <a:rPr lang="ko-KR" altLang="en-US" smtClean="0">
+                <a:solidFill>
+                  <a:schemeClr val="bg1"/>
+                </a:solidFill>
+                <a:sym typeface="Wingdings" panose="05000000000000000000" pitchFamily="2" charset="2"/>
+              </a:rPr>
+              <a:t>값이 </a:t>
+            </a:r>
+            <a:r>
+              <a:rPr lang="en-US" altLang="ko-KR" smtClean="0">
+                <a:solidFill>
+                  <a:schemeClr val="bg1"/>
+                </a:solidFill>
+                <a:sym typeface="Wingdings" panose="05000000000000000000" pitchFamily="2" charset="2"/>
+              </a:rPr>
+              <a:t>0 </a:t>
+            </a:r>
+            <a:r>
+              <a:rPr lang="ko-KR" altLang="en-US" smtClean="0">
+                <a:solidFill>
+                  <a:schemeClr val="bg1"/>
+                </a:solidFill>
+                <a:sym typeface="Wingdings" panose="05000000000000000000" pitchFamily="2" charset="2"/>
+              </a:rPr>
+              <a:t>보다 크고 </a:t>
+            </a:r>
+            <a:r>
+              <a:rPr lang="en-US" altLang="ko-KR" smtClean="0">
+                <a:solidFill>
+                  <a:schemeClr val="bg1"/>
+                </a:solidFill>
+                <a:sym typeface="Wingdings" panose="05000000000000000000" pitchFamily="2" charset="2"/>
+              </a:rPr>
+              <a:t>5</a:t>
+            </a:r>
+            <a:r>
+              <a:rPr lang="ko-KR" altLang="en-US" smtClean="0">
+                <a:solidFill>
+                  <a:schemeClr val="bg1"/>
+                </a:solidFill>
+                <a:sym typeface="Wingdings" panose="05000000000000000000" pitchFamily="2" charset="2"/>
+              </a:rPr>
+              <a:t>보다 작다</a:t>
+            </a:r>
+            <a:endParaRPr lang="en-US" altLang="ko-KR" smtClean="0">
               <a:solidFill>
                 <a:schemeClr val="bg1"/>
               </a:solidFill>
+              <a:sym typeface="Wingdings" panose="05000000000000000000" pitchFamily="2" charset="2"/>
             </a:endParaRPr>
           </a:p>
           <a:p>
             <a:pPr defTabSz="360000"/>
-            <a:r>
-              <a:rPr lang="ko-KR" altLang="en-US" sz="1600" smtClean="0">
-                <a:solidFill>
-                  <a:schemeClr val="bg1"/>
-                </a:solidFill>
-              </a:rPr>
-              <a:t>게임중 동안</a:t>
-            </a:r>
-            <a:endParaRPr lang="en-US" altLang="ko-KR" sz="1600" smtClean="0">
+            <a:endParaRPr lang="en-US" altLang="ko-KR" b="1">
+              <a:solidFill>
+                <a:srgbClr val="FFFF00"/>
+              </a:solidFill>
+              <a:sym typeface="Wingdings" panose="05000000000000000000" pitchFamily="2" charset="2"/>
+            </a:endParaRPr>
+          </a:p>
+          <a:p>
+            <a:pPr defTabSz="360000"/>
+            <a:r>
+              <a:rPr lang="ko-KR" altLang="en-US" b="1" smtClean="0">
+                <a:solidFill>
+                  <a:srgbClr val="FFFF00"/>
+                </a:solidFill>
+                <a:sym typeface="Wingdings" panose="05000000000000000000" pitchFamily="2" charset="2"/>
+              </a:rPr>
+              <a:t>값 </a:t>
+            </a:r>
+            <a:r>
+              <a:rPr lang="en-US" altLang="ko-KR" b="1" smtClean="0">
+                <a:solidFill>
+                  <a:srgbClr val="FFFF00"/>
+                </a:solidFill>
+                <a:sym typeface="Wingdings" panose="05000000000000000000" pitchFamily="2" charset="2"/>
+              </a:rPr>
+              <a:t>-&gt; 5</a:t>
+            </a:r>
+          </a:p>
+          <a:p>
+            <a:pPr defTabSz="360000"/>
+            <a:r>
+              <a:rPr lang="en-US" altLang="ko-KR" b="1" smtClean="0">
+                <a:solidFill>
+                  <a:srgbClr val="FFFF00"/>
+                </a:solidFill>
+                <a:sym typeface="Wingdings" panose="05000000000000000000" pitchFamily="2" charset="2"/>
+              </a:rPr>
+              <a:t>(</a:t>
+            </a:r>
+            <a:r>
+              <a:rPr lang="ko-KR" altLang="en-US" b="1" smtClean="0">
+                <a:solidFill>
+                  <a:srgbClr val="FFFF00"/>
+                </a:solidFill>
+                <a:sym typeface="Wingdings" panose="05000000000000000000" pitchFamily="2" charset="2"/>
+              </a:rPr>
+              <a:t>값</a:t>
+            </a:r>
+            <a:r>
+              <a:rPr lang="en-US" altLang="ko-KR" b="1" smtClean="0">
+                <a:solidFill>
+                  <a:srgbClr val="FFFF00"/>
+                </a:solidFill>
+                <a:sym typeface="Wingdings" panose="05000000000000000000" pitchFamily="2" charset="2"/>
+              </a:rPr>
+              <a:t>&lt;0) + (</a:t>
+            </a:r>
+            <a:r>
+              <a:rPr lang="ko-KR" altLang="en-US" b="1" smtClean="0">
+                <a:solidFill>
+                  <a:srgbClr val="FFFF00"/>
+                </a:solidFill>
+                <a:sym typeface="Wingdings" panose="05000000000000000000" pitchFamily="2" charset="2"/>
+              </a:rPr>
+              <a:t>값</a:t>
+            </a:r>
+            <a:r>
+              <a:rPr lang="en-US" altLang="ko-KR" b="1" smtClean="0">
+                <a:solidFill>
+                  <a:srgbClr val="FFFF00"/>
+                </a:solidFill>
+                <a:sym typeface="Wingdings" panose="05000000000000000000" pitchFamily="2" charset="2"/>
+              </a:rPr>
+              <a:t>&gt;3) </a:t>
+            </a:r>
+            <a:r>
+              <a:rPr lang="en-US" altLang="ko-KR" smtClean="0">
+                <a:solidFill>
+                  <a:schemeClr val="bg1"/>
+                </a:solidFill>
+                <a:sym typeface="Wingdings" panose="05000000000000000000" pitchFamily="2" charset="2"/>
+              </a:rPr>
+              <a:t># </a:t>
+            </a:r>
+            <a:r>
+              <a:rPr lang="ko-KR" altLang="en-US" smtClean="0">
+                <a:solidFill>
+                  <a:schemeClr val="bg1"/>
+                </a:solidFill>
+                <a:sym typeface="Wingdings" panose="05000000000000000000" pitchFamily="2" charset="2"/>
+              </a:rPr>
+              <a:t>값이 </a:t>
+            </a:r>
+            <a:r>
+              <a:rPr lang="en-US" altLang="ko-KR" smtClean="0">
+                <a:solidFill>
+                  <a:schemeClr val="bg1"/>
+                </a:solidFill>
+                <a:sym typeface="Wingdings" panose="05000000000000000000" pitchFamily="2" charset="2"/>
+              </a:rPr>
+              <a:t>0</a:t>
+            </a:r>
+            <a:r>
+              <a:rPr lang="ko-KR" altLang="en-US" smtClean="0">
+                <a:solidFill>
+                  <a:schemeClr val="bg1"/>
+                </a:solidFill>
+                <a:sym typeface="Wingdings" panose="05000000000000000000" pitchFamily="2" charset="2"/>
+              </a:rPr>
+              <a:t>보다 작거나 </a:t>
+            </a:r>
+            <a:r>
+              <a:rPr lang="en-US" altLang="ko-KR" smtClean="0">
+                <a:solidFill>
+                  <a:schemeClr val="bg1"/>
+                </a:solidFill>
+                <a:sym typeface="Wingdings" panose="05000000000000000000" pitchFamily="2" charset="2"/>
+              </a:rPr>
+              <a:t>3</a:t>
+            </a:r>
+            <a:r>
+              <a:rPr lang="ko-KR" altLang="en-US" smtClean="0">
+                <a:solidFill>
+                  <a:schemeClr val="bg1"/>
+                </a:solidFill>
+                <a:sym typeface="Wingdings" panose="05000000000000000000" pitchFamily="2" charset="2"/>
+              </a:rPr>
+              <a:t>보다 크다</a:t>
+            </a:r>
+            <a:endParaRPr lang="en-US" altLang="ko-KR" smtClean="0">
               <a:solidFill>
                 <a:schemeClr val="bg1"/>
               </a:solidFill>
+              <a:sym typeface="Wingdings" panose="05000000000000000000" pitchFamily="2" charset="2"/>
             </a:endParaRPr>
           </a:p>
           <a:p>
             <a:pPr defTabSz="360000"/>
-            <a:r>
-              <a:rPr lang="en-US" altLang="ko-KR" sz="1600">
-                <a:solidFill>
-                  <a:schemeClr val="bg1"/>
-                </a:solidFill>
-              </a:rPr>
-              <a:t>	</a:t>
-            </a:r>
-            <a:r>
-              <a:rPr lang="en-US" altLang="ko-KR" sz="1600" smtClean="0">
-                <a:solidFill>
-                  <a:schemeClr val="bg1"/>
-                </a:solidFill>
+            <a:endParaRPr lang="en-US" altLang="ko-KR" b="1">
+              <a:solidFill>
+                <a:srgbClr val="FFFF00"/>
+              </a:solidFill>
+              <a:sym typeface="Wingdings" panose="05000000000000000000" pitchFamily="2" charset="2"/>
+            </a:endParaRPr>
+          </a:p>
+          <a:p>
+            <a:pPr defTabSz="360000"/>
+            <a:r>
+              <a:rPr lang="en-US" altLang="ko-KR" b="1">
+                <a:solidFill>
+                  <a:srgbClr val="FFFF00"/>
+                </a:solidFill>
+              </a:rPr>
+              <a:t>(</a:t>
+            </a:r>
+            <a:r>
+              <a:rPr lang="ko-KR" altLang="en-US" b="1">
+                <a:solidFill>
+                  <a:srgbClr val="FFFF00"/>
+                </a:solidFill>
+              </a:rPr>
+              <a:t>세로</a:t>
+            </a:r>
+            <a:r>
+              <a:rPr lang="en-US" altLang="ko-KR" b="1">
+                <a:solidFill>
+                  <a:srgbClr val="FFFF00"/>
+                </a:solidFill>
+              </a:rPr>
+              <a:t>=88) * (</a:t>
+            </a:r>
+            <a:r>
+              <a:rPr lang="ko-KR" altLang="en-US" b="1">
+                <a:solidFill>
+                  <a:srgbClr val="FFFF00"/>
+                </a:solidFill>
+              </a:rPr>
+              <a:t>가로</a:t>
+            </a:r>
+            <a:r>
+              <a:rPr lang="en-US" altLang="ko-KR" b="1">
+                <a:solidFill>
+                  <a:srgbClr val="FFFF00"/>
+                </a:solidFill>
+              </a:rPr>
+              <a:t>&gt;=(</a:t>
+            </a:r>
+            <a:r>
+              <a:rPr lang="ko-KR" altLang="en-US" b="1">
+                <a:solidFill>
+                  <a:srgbClr val="FFFF00"/>
+                </a:solidFill>
+              </a:rPr>
+              <a:t>막대위치</a:t>
+            </a:r>
+            <a:r>
+              <a:rPr lang="en-US" altLang="ko-KR" b="1">
+                <a:solidFill>
+                  <a:srgbClr val="FFFF00"/>
+                </a:solidFill>
+              </a:rPr>
+              <a:t>-1)) * (</a:t>
+            </a:r>
+            <a:r>
+              <a:rPr lang="ko-KR" altLang="en-US" b="1">
+                <a:solidFill>
+                  <a:srgbClr val="FFFF00"/>
+                </a:solidFill>
+              </a:rPr>
+              <a:t>가로</a:t>
+            </a:r>
+            <a:r>
+              <a:rPr lang="en-US" altLang="ko-KR" b="1">
+                <a:solidFill>
+                  <a:srgbClr val="FFFF00"/>
+                </a:solidFill>
+              </a:rPr>
+              <a:t>&lt;=(</a:t>
+            </a:r>
+            <a:r>
+              <a:rPr lang="ko-KR" altLang="en-US" b="1">
+                <a:solidFill>
+                  <a:srgbClr val="FFFF00"/>
+                </a:solidFill>
+              </a:rPr>
+              <a:t>막대위치</a:t>
+            </a:r>
+            <a:r>
+              <a:rPr lang="en-US" altLang="ko-KR" b="1">
+                <a:solidFill>
+                  <a:srgbClr val="FFFF00"/>
+                </a:solidFill>
+              </a:rPr>
+              <a:t>+19)) </a:t>
+            </a:r>
+            <a:r>
+              <a:rPr lang="ko-KR" altLang="en-US" b="1">
+                <a:solidFill>
+                  <a:srgbClr val="FFFF00"/>
+                </a:solidFill>
+              </a:rPr>
+              <a:t>이면</a:t>
+            </a:r>
+          </a:p>
+          <a:p>
+            <a:pPr defTabSz="360000"/>
+            <a:r>
+              <a:rPr lang="ko-KR" altLang="en-US" b="1">
+                <a:solidFill>
+                  <a:srgbClr val="FFFF00"/>
+                </a:solidFill>
+              </a:rPr>
+              <a:t>		세로속도 </a:t>
+            </a:r>
+            <a:r>
+              <a:rPr lang="en-US" altLang="ko-KR" b="1">
+                <a:solidFill>
+                  <a:srgbClr val="FFFF00"/>
+                </a:solidFill>
+              </a:rPr>
+              <a:t>-&gt; -</a:t>
+            </a:r>
+            <a:r>
+              <a:rPr lang="ko-KR" altLang="en-US" b="1">
+                <a:solidFill>
+                  <a:srgbClr val="FFFF00"/>
+                </a:solidFill>
+              </a:rPr>
+              <a:t>세로속도</a:t>
+            </a:r>
+          </a:p>
+          <a:p>
+            <a:pPr defTabSz="360000"/>
+            <a:r>
+              <a:rPr lang="en-US" altLang="ko-KR" smtClean="0">
+                <a:solidFill>
+                  <a:schemeClr val="bg1"/>
+                </a:solidFill>
+                <a:sym typeface="Wingdings" panose="05000000000000000000" pitchFamily="2" charset="2"/>
               </a:rPr>
               <a:t># </a:t>
             </a:r>
             <a:r>
-              <a:rPr lang="ko-KR" altLang="en-US" sz="1600" smtClean="0">
-                <a:solidFill>
-                  <a:schemeClr val="bg1"/>
-                </a:solidFill>
-              </a:rPr>
-              <a:t>중간 생략</a:t>
-            </a:r>
-            <a:endParaRPr lang="en-US" altLang="ko-KR" sz="1600" smtClean="0">
+              <a:rPr lang="ko-KR" altLang="en-US" smtClean="0">
+                <a:solidFill>
+                  <a:schemeClr val="bg1"/>
+                </a:solidFill>
+                <a:sym typeface="Wingdings" panose="05000000000000000000" pitchFamily="2" charset="2"/>
+              </a:rPr>
+              <a:t>세로가 </a:t>
+            </a:r>
+            <a:r>
+              <a:rPr lang="en-US" altLang="ko-KR" smtClean="0">
+                <a:solidFill>
+                  <a:schemeClr val="bg1"/>
+                </a:solidFill>
+                <a:sym typeface="Wingdings" panose="05000000000000000000" pitchFamily="2" charset="2"/>
+              </a:rPr>
+              <a:t>88 </a:t>
+            </a:r>
+            <a:r>
+              <a:rPr lang="ko-KR" altLang="en-US" smtClean="0">
+                <a:solidFill>
+                  <a:schemeClr val="bg1"/>
+                </a:solidFill>
+                <a:sym typeface="Wingdings" panose="05000000000000000000" pitchFamily="2" charset="2"/>
+              </a:rPr>
+              <a:t>이고</a:t>
+            </a:r>
+            <a:r>
+              <a:rPr lang="en-US" altLang="ko-KR" smtClean="0">
+                <a:solidFill>
+                  <a:schemeClr val="bg1"/>
+                </a:solidFill>
+                <a:sym typeface="Wingdings" panose="05000000000000000000" pitchFamily="2" charset="2"/>
+              </a:rPr>
+              <a:t>, </a:t>
+            </a:r>
+            <a:r>
+              <a:rPr lang="ko-KR" altLang="en-US" smtClean="0">
+                <a:solidFill>
+                  <a:schemeClr val="bg1"/>
+                </a:solidFill>
+                <a:sym typeface="Wingdings" panose="05000000000000000000" pitchFamily="2" charset="2"/>
+              </a:rPr>
+              <a:t>가로가 </a:t>
+            </a:r>
+            <a:r>
+              <a:rPr lang="en-US" altLang="ko-KR" smtClean="0">
+                <a:solidFill>
+                  <a:schemeClr val="bg1"/>
+                </a:solidFill>
+                <a:sym typeface="Wingdings" panose="05000000000000000000" pitchFamily="2" charset="2"/>
+              </a:rPr>
+              <a:t>(</a:t>
+            </a:r>
+            <a:r>
+              <a:rPr lang="ko-KR" altLang="en-US" smtClean="0">
+                <a:solidFill>
+                  <a:schemeClr val="bg1"/>
+                </a:solidFill>
+                <a:sym typeface="Wingdings" panose="05000000000000000000" pitchFamily="2" charset="2"/>
+              </a:rPr>
+              <a:t>막대위치</a:t>
+            </a:r>
+            <a:r>
+              <a:rPr lang="en-US" altLang="ko-KR" smtClean="0">
+                <a:solidFill>
+                  <a:schemeClr val="bg1"/>
+                </a:solidFill>
+                <a:sym typeface="Wingdings" panose="05000000000000000000" pitchFamily="2" charset="2"/>
+              </a:rPr>
+              <a:t>-1) </a:t>
+            </a:r>
+            <a:r>
+              <a:rPr lang="ko-KR" altLang="en-US" smtClean="0">
+                <a:solidFill>
+                  <a:schemeClr val="bg1"/>
+                </a:solidFill>
+                <a:sym typeface="Wingdings" panose="05000000000000000000" pitchFamily="2" charset="2"/>
+              </a:rPr>
+              <a:t>보다 크거나 같고</a:t>
+            </a:r>
+            <a:r>
+              <a:rPr lang="en-US" altLang="ko-KR" smtClean="0">
+                <a:solidFill>
+                  <a:schemeClr val="bg1"/>
+                </a:solidFill>
+                <a:sym typeface="Wingdings" panose="05000000000000000000" pitchFamily="2" charset="2"/>
+              </a:rPr>
+              <a:t>, </a:t>
+            </a:r>
+            <a:r>
+              <a:rPr lang="ko-KR" altLang="en-US" smtClean="0">
+                <a:solidFill>
+                  <a:schemeClr val="bg1"/>
+                </a:solidFill>
+                <a:sym typeface="Wingdings" panose="05000000000000000000" pitchFamily="2" charset="2"/>
+              </a:rPr>
+              <a:t>가로가 </a:t>
+            </a:r>
+            <a:r>
+              <a:rPr lang="en-US" altLang="ko-KR" smtClean="0">
+                <a:solidFill>
+                  <a:schemeClr val="bg1"/>
+                </a:solidFill>
+                <a:sym typeface="Wingdings" panose="05000000000000000000" pitchFamily="2" charset="2"/>
+              </a:rPr>
+              <a:t>(</a:t>
+            </a:r>
+            <a:r>
+              <a:rPr lang="ko-KR" altLang="en-US" smtClean="0">
+                <a:solidFill>
+                  <a:schemeClr val="bg1"/>
+                </a:solidFill>
+                <a:sym typeface="Wingdings" panose="05000000000000000000" pitchFamily="2" charset="2"/>
+              </a:rPr>
+              <a:t>막대위치</a:t>
+            </a:r>
+            <a:r>
+              <a:rPr lang="en-US" altLang="ko-KR" smtClean="0">
+                <a:solidFill>
+                  <a:schemeClr val="bg1"/>
+                </a:solidFill>
+                <a:sym typeface="Wingdings" panose="05000000000000000000" pitchFamily="2" charset="2"/>
+              </a:rPr>
+              <a:t>+19) </a:t>
+            </a:r>
+            <a:r>
+              <a:rPr lang="ko-KR" altLang="en-US" smtClean="0">
+                <a:solidFill>
+                  <a:schemeClr val="bg1"/>
+                </a:solidFill>
+                <a:sym typeface="Wingdings" panose="05000000000000000000" pitchFamily="2" charset="2"/>
+              </a:rPr>
+              <a:t>보다 작거나 같다</a:t>
+            </a:r>
+            <a:endParaRPr lang="en-US" altLang="ko-KR">
               <a:solidFill>
                 <a:schemeClr val="bg1"/>
               </a:solidFill>
-            </a:endParaRPr>
-          </a:p>
-          <a:p>
-            <a:pPr defTabSz="360000"/>
-            <a:endParaRPr lang="en-US" altLang="ko-KR" sz="1600" smtClean="0">
-              <a:solidFill>
-                <a:schemeClr val="bg1"/>
-              </a:solidFill>
-            </a:endParaRPr>
-          </a:p>
-          <a:p>
-            <a:pPr defTabSz="360000"/>
-            <a:r>
-              <a:rPr lang="en-US" altLang="ko-KR" sz="1600">
-                <a:solidFill>
-                  <a:schemeClr val="bg1"/>
-                </a:solidFill>
-              </a:rPr>
-              <a:t>	</a:t>
-            </a:r>
-            <a:r>
-              <a:rPr lang="en-US" altLang="ko-KR" sz="1600">
-                <a:solidFill>
-                  <a:schemeClr val="bg1"/>
-                </a:solidFill>
-              </a:rPr>
-              <a:t>(</a:t>
-            </a:r>
-            <a:r>
-              <a:rPr lang="ko-KR" altLang="en-US" sz="1600">
-                <a:solidFill>
-                  <a:schemeClr val="bg1"/>
-                </a:solidFill>
-              </a:rPr>
-              <a:t>세로</a:t>
-            </a:r>
-            <a:r>
-              <a:rPr lang="en-US" altLang="ko-KR" sz="1600">
-                <a:solidFill>
-                  <a:schemeClr val="bg1"/>
-                </a:solidFill>
-              </a:rPr>
-              <a:t>=88) * (</a:t>
-            </a:r>
-            <a:r>
-              <a:rPr lang="ko-KR" altLang="en-US" sz="1600">
-                <a:solidFill>
-                  <a:schemeClr val="bg1"/>
-                </a:solidFill>
-              </a:rPr>
-              <a:t>가로</a:t>
-            </a:r>
-            <a:r>
-              <a:rPr lang="en-US" altLang="ko-KR" sz="1600">
-                <a:solidFill>
-                  <a:schemeClr val="bg1"/>
-                </a:solidFill>
-              </a:rPr>
-              <a:t>&gt;=(</a:t>
-            </a:r>
-            <a:r>
-              <a:rPr lang="ko-KR" altLang="en-US" sz="1600">
-                <a:solidFill>
-                  <a:schemeClr val="bg1"/>
-                </a:solidFill>
-              </a:rPr>
-              <a:t>막대위치</a:t>
-            </a:r>
-            <a:r>
-              <a:rPr lang="en-US" altLang="ko-KR" sz="1600">
-                <a:solidFill>
-                  <a:schemeClr val="bg1"/>
-                </a:solidFill>
-              </a:rPr>
-              <a:t>-1)) * (</a:t>
-            </a:r>
-            <a:r>
-              <a:rPr lang="ko-KR" altLang="en-US" sz="1600">
-                <a:solidFill>
-                  <a:schemeClr val="bg1"/>
-                </a:solidFill>
-              </a:rPr>
-              <a:t>가로</a:t>
-            </a:r>
-            <a:r>
-              <a:rPr lang="en-US" altLang="ko-KR" sz="1600">
-                <a:solidFill>
-                  <a:schemeClr val="bg1"/>
-                </a:solidFill>
-              </a:rPr>
-              <a:t>&lt;=(</a:t>
-            </a:r>
-            <a:r>
-              <a:rPr lang="ko-KR" altLang="en-US" sz="1600">
-                <a:solidFill>
-                  <a:schemeClr val="bg1"/>
-                </a:solidFill>
-              </a:rPr>
-              <a:t>막대위치</a:t>
-            </a:r>
-            <a:r>
-              <a:rPr lang="en-US" altLang="ko-KR" sz="1600">
-                <a:solidFill>
-                  <a:schemeClr val="bg1"/>
-                </a:solidFill>
-              </a:rPr>
-              <a:t>+19)) </a:t>
-            </a:r>
-            <a:r>
-              <a:rPr lang="ko-KR" altLang="en-US" sz="1600">
-                <a:solidFill>
-                  <a:schemeClr val="bg1"/>
-                </a:solidFill>
-              </a:rPr>
-              <a:t>이면</a:t>
-            </a:r>
-          </a:p>
-          <a:p>
-            <a:pPr defTabSz="360000"/>
-            <a:r>
-              <a:rPr lang="ko-KR" altLang="en-US" sz="1600">
-                <a:solidFill>
-                  <a:schemeClr val="bg1"/>
-                </a:solidFill>
-              </a:rPr>
-              <a:t>		세로속도 </a:t>
-            </a:r>
-            <a:r>
-              <a:rPr lang="en-US" altLang="ko-KR" sz="1600">
-                <a:solidFill>
-                  <a:schemeClr val="bg1"/>
-                </a:solidFill>
-              </a:rPr>
-              <a:t>-&gt; -</a:t>
-            </a:r>
-            <a:r>
-              <a:rPr lang="ko-KR" altLang="en-US" sz="1600">
-                <a:solidFill>
-                  <a:schemeClr val="bg1"/>
-                </a:solidFill>
-              </a:rPr>
-              <a:t>세로속도</a:t>
-            </a:r>
-          </a:p>
-          <a:p>
-            <a:pPr defTabSz="360000"/>
-            <a:r>
-              <a:rPr lang="ko-KR" altLang="en-US" sz="1600">
-                <a:solidFill>
-                  <a:schemeClr val="bg1"/>
-                </a:solidFill>
-              </a:rPr>
-              <a:t>		</a:t>
-            </a:r>
-            <a:r>
-              <a:rPr lang="ko-KR" altLang="en-US" b="1">
-                <a:solidFill>
-                  <a:srgbClr val="FFFF00"/>
-                </a:solidFill>
-              </a:rPr>
-              <a:t>점수 </a:t>
-            </a:r>
-            <a:r>
-              <a:rPr lang="en-US" altLang="ko-KR" b="1">
-                <a:solidFill>
-                  <a:srgbClr val="FFFF00"/>
-                </a:solidFill>
-              </a:rPr>
-              <a:t>-&gt; </a:t>
-            </a:r>
-            <a:r>
-              <a:rPr lang="ko-KR" altLang="en-US" b="1">
-                <a:solidFill>
-                  <a:srgbClr val="FFFF00"/>
-                </a:solidFill>
-              </a:rPr>
-              <a:t>점수 </a:t>
-            </a:r>
-            <a:r>
-              <a:rPr lang="en-US" altLang="ko-KR" b="1">
-                <a:solidFill>
-                  <a:srgbClr val="FFFF00"/>
-                </a:solidFill>
-              </a:rPr>
-              <a:t>+ 1</a:t>
-            </a:r>
-          </a:p>
-          <a:p>
-            <a:pPr defTabSz="360000"/>
-            <a:r>
-              <a:rPr lang="en-US" altLang="ko-KR" b="1">
-                <a:solidFill>
-                  <a:srgbClr val="FFFF00"/>
-                </a:solidFill>
-              </a:rPr>
-              <a:t>		</a:t>
-            </a:r>
-            <a:r>
-              <a:rPr lang="ko-KR" altLang="en-US" b="1">
-                <a:solidFill>
-                  <a:srgbClr val="FFFF00"/>
-                </a:solidFill>
-              </a:rPr>
-              <a:t>점수 </a:t>
-            </a:r>
-            <a:r>
-              <a:rPr lang="en-US" altLang="ko-KR" b="1">
-                <a:solidFill>
-                  <a:srgbClr val="FFFF00"/>
-                </a:solidFill>
-              </a:rPr>
-              <a:t>&gt; 0 </a:t>
-            </a:r>
-            <a:r>
-              <a:rPr lang="ko-KR" altLang="en-US" b="1">
-                <a:solidFill>
-                  <a:srgbClr val="FFFF00"/>
-                </a:solidFill>
-              </a:rPr>
-              <a:t>이면</a:t>
-            </a:r>
-          </a:p>
-          <a:p>
-            <a:pPr defTabSz="360000"/>
-            <a:r>
-              <a:rPr lang="ko-KR" altLang="en-US" b="1">
-                <a:solidFill>
-                  <a:srgbClr val="FFFF00"/>
-                </a:solidFill>
-              </a:rPr>
-              <a:t>			메모리</a:t>
-            </a:r>
-            <a:r>
-              <a:rPr lang="en-US" altLang="ko-KR" b="1">
-                <a:solidFill>
-                  <a:srgbClr val="FFFF00"/>
-                </a:solidFill>
-              </a:rPr>
-              <a:t>[60000+(</a:t>
-            </a:r>
-            <a:r>
-              <a:rPr lang="ko-KR" altLang="en-US" b="1">
-                <a:solidFill>
-                  <a:srgbClr val="FFFF00"/>
-                </a:solidFill>
-              </a:rPr>
-              <a:t>점수</a:t>
-            </a:r>
-            <a:r>
-              <a:rPr lang="en-US" altLang="ko-KR" b="1">
-                <a:solidFill>
-                  <a:srgbClr val="FFFF00"/>
-                </a:solidFill>
-              </a:rPr>
-              <a:t>-1)] -&gt; 9900</a:t>
-            </a:r>
-          </a:p>
-          <a:p>
-            <a:pPr defTabSz="360000"/>
-            <a:r>
-              <a:rPr lang="en-US" altLang="ko-KR" sz="1600">
-                <a:solidFill>
-                  <a:schemeClr val="bg1"/>
-                </a:solidFill>
-              </a:rPr>
-              <a:t>		</a:t>
-            </a:r>
-          </a:p>
-          <a:p>
-            <a:pPr defTabSz="360000"/>
-            <a:r>
-              <a:rPr lang="en-US" altLang="ko-KR" sz="1600">
-                <a:solidFill>
-                  <a:schemeClr val="bg1"/>
-                </a:solidFill>
-              </a:rPr>
-              <a:t>	</a:t>
-            </a:r>
-            <a:r>
-              <a:rPr lang="ko-KR" altLang="en-US" sz="1600">
-                <a:solidFill>
-                  <a:schemeClr val="bg1"/>
-                </a:solidFill>
-              </a:rPr>
-              <a:t>세로 </a:t>
-            </a:r>
-            <a:r>
-              <a:rPr lang="en-US" altLang="ko-KR" sz="1600">
-                <a:solidFill>
-                  <a:schemeClr val="bg1"/>
-                </a:solidFill>
-              </a:rPr>
-              <a:t>&gt; 98 </a:t>
-            </a:r>
-            <a:r>
-              <a:rPr lang="ko-KR" altLang="en-US" sz="1600">
-                <a:solidFill>
-                  <a:schemeClr val="bg1"/>
-                </a:solidFill>
-              </a:rPr>
-              <a:t>이면</a:t>
-            </a:r>
-          </a:p>
-          <a:p>
-            <a:pPr defTabSz="360000"/>
-            <a:r>
-              <a:rPr lang="ko-KR" altLang="en-US" sz="1600">
-                <a:solidFill>
-                  <a:schemeClr val="bg1"/>
-                </a:solidFill>
-              </a:rPr>
-              <a:t>		세로 </a:t>
-            </a:r>
-            <a:r>
-              <a:rPr lang="en-US" altLang="ko-KR" sz="1600">
-                <a:solidFill>
-                  <a:schemeClr val="bg1"/>
-                </a:solidFill>
-              </a:rPr>
-              <a:t>-&gt; 7</a:t>
-            </a:r>
-          </a:p>
-          <a:p>
-            <a:pPr defTabSz="360000"/>
-            <a:r>
-              <a:rPr lang="en-US" altLang="ko-KR" sz="1600">
-                <a:solidFill>
-                  <a:schemeClr val="bg1"/>
-                </a:solidFill>
-              </a:rPr>
-              <a:t>		</a:t>
-            </a:r>
-            <a:r>
-              <a:rPr lang="ko-KR" altLang="en-US" sz="1600">
-                <a:solidFill>
-                  <a:schemeClr val="bg1"/>
-                </a:solidFill>
-              </a:rPr>
-              <a:t>가로 </a:t>
-            </a:r>
-            <a:r>
-              <a:rPr lang="en-US" altLang="ko-KR" sz="1600">
-                <a:solidFill>
-                  <a:schemeClr val="bg1"/>
-                </a:solidFill>
-              </a:rPr>
-              <a:t>-&gt; 37</a:t>
-            </a:r>
-          </a:p>
-          <a:p>
-            <a:pPr defTabSz="360000"/>
-            <a:r>
-              <a:rPr lang="en-US" altLang="ko-KR" sz="1600">
-                <a:solidFill>
-                  <a:schemeClr val="bg1"/>
-                </a:solidFill>
-              </a:rPr>
-              <a:t>		</a:t>
-            </a:r>
-            <a:r>
-              <a:rPr lang="ko-KR" altLang="en-US" sz="1600">
-                <a:solidFill>
-                  <a:schemeClr val="bg1"/>
-                </a:solidFill>
-              </a:rPr>
-              <a:t>세로속도 </a:t>
-            </a:r>
-            <a:r>
-              <a:rPr lang="en-US" altLang="ko-KR" sz="1600">
-                <a:solidFill>
-                  <a:schemeClr val="bg1"/>
-                </a:solidFill>
-              </a:rPr>
-              <a:t>-&gt; 1</a:t>
-            </a:r>
-          </a:p>
-          <a:p>
-            <a:pPr defTabSz="360000"/>
-            <a:r>
-              <a:rPr lang="en-US" altLang="ko-KR" sz="1600">
-                <a:solidFill>
-                  <a:schemeClr val="bg1"/>
-                </a:solidFill>
-              </a:rPr>
-              <a:t>		</a:t>
-            </a:r>
-            <a:r>
-              <a:rPr lang="ko-KR" altLang="en-US" sz="1600">
-                <a:solidFill>
-                  <a:schemeClr val="bg1"/>
-                </a:solidFill>
-              </a:rPr>
-              <a:t>가로속도 </a:t>
-            </a:r>
-            <a:r>
-              <a:rPr lang="en-US" altLang="ko-KR" sz="1600">
-                <a:solidFill>
-                  <a:schemeClr val="bg1"/>
-                </a:solidFill>
-              </a:rPr>
-              <a:t>-&gt; 1</a:t>
-            </a:r>
-          </a:p>
-          <a:p>
-            <a:pPr defTabSz="360000"/>
-            <a:r>
-              <a:rPr lang="en-US" altLang="ko-KR" sz="1600">
-                <a:solidFill>
-                  <a:schemeClr val="bg1"/>
-                </a:solidFill>
-              </a:rPr>
-              <a:t>		</a:t>
-            </a:r>
-          </a:p>
-          <a:p>
-            <a:pPr defTabSz="360000"/>
-            <a:r>
-              <a:rPr lang="en-US" altLang="ko-KR" sz="1600">
-                <a:solidFill>
-                  <a:schemeClr val="bg1"/>
-                </a:solidFill>
-              </a:rPr>
-              <a:t>		</a:t>
-            </a:r>
-            <a:r>
-              <a:rPr lang="ko-KR" altLang="en-US" b="1">
-                <a:solidFill>
-                  <a:srgbClr val="FFFF00"/>
-                </a:solidFill>
-              </a:rPr>
-              <a:t>횟수 </a:t>
-            </a:r>
-            <a:r>
-              <a:rPr lang="en-US" altLang="ko-KR" b="1">
-                <a:solidFill>
-                  <a:srgbClr val="FFFF00"/>
-                </a:solidFill>
-              </a:rPr>
-              <a:t>-&gt; 0</a:t>
-            </a:r>
-          </a:p>
-          <a:p>
-            <a:pPr defTabSz="360000"/>
-            <a:r>
-              <a:rPr lang="en-US" altLang="ko-KR" b="1">
-                <a:solidFill>
-                  <a:srgbClr val="FFFF00"/>
-                </a:solidFill>
-              </a:rPr>
-              <a:t>		</a:t>
-            </a:r>
-            <a:r>
-              <a:rPr lang="ko-KR" altLang="en-US" b="1">
-                <a:solidFill>
-                  <a:srgbClr val="FFFF00"/>
-                </a:solidFill>
-              </a:rPr>
-              <a:t>횟수 </a:t>
-            </a:r>
-            <a:r>
-              <a:rPr lang="en-US" altLang="ko-KR" b="1">
-                <a:solidFill>
-                  <a:srgbClr val="FFFF00"/>
-                </a:solidFill>
-              </a:rPr>
-              <a:t>&lt; </a:t>
-            </a:r>
-            <a:r>
-              <a:rPr lang="ko-KR" altLang="en-US" b="1">
-                <a:solidFill>
-                  <a:srgbClr val="FFFF00"/>
-                </a:solidFill>
-              </a:rPr>
-              <a:t>점수 동안</a:t>
-            </a:r>
-          </a:p>
-          <a:p>
-            <a:pPr defTabSz="360000"/>
-            <a:r>
-              <a:rPr lang="ko-KR" altLang="en-US" b="1">
-                <a:solidFill>
-                  <a:srgbClr val="FFFF00"/>
-                </a:solidFill>
-              </a:rPr>
-              <a:t>			메모리</a:t>
-            </a:r>
-            <a:r>
-              <a:rPr lang="en-US" altLang="ko-KR" b="1">
-                <a:solidFill>
-                  <a:srgbClr val="FFFF00"/>
-                </a:solidFill>
-              </a:rPr>
-              <a:t>[60000+</a:t>
-            </a:r>
-            <a:r>
-              <a:rPr lang="ko-KR" altLang="en-US" b="1">
-                <a:solidFill>
-                  <a:srgbClr val="FFFF00"/>
-                </a:solidFill>
-              </a:rPr>
-              <a:t>횟수</a:t>
-            </a:r>
-            <a:r>
-              <a:rPr lang="en-US" altLang="ko-KR" b="1">
-                <a:solidFill>
-                  <a:srgbClr val="FFFF00"/>
-                </a:solidFill>
-              </a:rPr>
-              <a:t>] -&gt; 0</a:t>
-            </a:r>
-          </a:p>
-          <a:p>
-            <a:pPr defTabSz="360000"/>
-            <a:r>
-              <a:rPr lang="en-US" altLang="ko-KR" b="1">
-                <a:solidFill>
-                  <a:srgbClr val="FFFF00"/>
-                </a:solidFill>
-              </a:rPr>
-              <a:t>			</a:t>
-            </a:r>
-            <a:r>
-              <a:rPr lang="ko-KR" altLang="en-US" b="1">
-                <a:solidFill>
-                  <a:srgbClr val="FFFF00"/>
-                </a:solidFill>
-              </a:rPr>
-              <a:t>횟수 </a:t>
-            </a:r>
-            <a:r>
-              <a:rPr lang="en-US" altLang="ko-KR" b="1">
-                <a:solidFill>
-                  <a:srgbClr val="FFFF00"/>
-                </a:solidFill>
-              </a:rPr>
-              <a:t>-&gt; </a:t>
-            </a:r>
-            <a:r>
-              <a:rPr lang="ko-KR" altLang="en-US" b="1">
-                <a:solidFill>
-                  <a:srgbClr val="FFFF00"/>
-                </a:solidFill>
-              </a:rPr>
-              <a:t>횟수 </a:t>
-            </a:r>
-            <a:r>
-              <a:rPr lang="en-US" altLang="ko-KR" b="1">
-                <a:solidFill>
-                  <a:srgbClr val="FFFF00"/>
-                </a:solidFill>
-              </a:rPr>
-              <a:t>+ 1</a:t>
-            </a:r>
-          </a:p>
-          <a:p>
-            <a:pPr defTabSz="360000"/>
-            <a:r>
-              <a:rPr lang="en-US" altLang="ko-KR" b="1">
-                <a:solidFill>
-                  <a:srgbClr val="FFFF00"/>
-                </a:solidFill>
-              </a:rPr>
-              <a:t>		</a:t>
-            </a:r>
-            <a:r>
-              <a:rPr lang="ko-KR" altLang="en-US" b="1">
-                <a:solidFill>
-                  <a:srgbClr val="FFFF00"/>
-                </a:solidFill>
-              </a:rPr>
-              <a:t>점수 </a:t>
-            </a:r>
-            <a:r>
-              <a:rPr lang="en-US" altLang="ko-KR" b="1">
-                <a:solidFill>
-                  <a:srgbClr val="FFFF00"/>
-                </a:solidFill>
-              </a:rPr>
-              <a:t>-&gt; 0</a:t>
-            </a:r>
-            <a:endParaRPr lang="ko-KR" altLang="en-US" b="1">
-              <a:solidFill>
-                <a:srgbClr val="FFFF00"/>
-              </a:solidFill>
+              <a:sym typeface="Wingdings" panose="05000000000000000000" pitchFamily="2" charset="2"/>
             </a:endParaRPr>
           </a:p>
         </p:txBody>
       </p:sp>
-      <p:pic>
-        <p:nvPicPr>
-          <p:cNvPr id="12290" name="Picture 2"/>
-          <p:cNvPicPr>
-            <a:picLocks noChangeAspect="1" noChangeArrowheads="1"/>
-          </p:cNvPicPr>
+      <p:sp>
+        <p:nvSpPr>
+          <p:cNvPr id="7" name="TextBox 6"/>
+          <p:cNvSpPr txBox="1"/>
           <p:nvPr/>
-        </p:nvPicPr>
-        <p:blipFill>
-          <a:blip r:embed="rId2">
-            <a:extLst>
-              <a:ext uri="{28A0092B-C50C-407E-A947-70E740481C1C}">
-                <a14:useLocalDpi xmlns:a14="http://schemas.microsoft.com/office/drawing/2010/main" val="0"/>
-              </a:ext>
-            </a:extLst>
-          </a:blip>
-          <a:srcRect/>
-          <a:stretch>
-            <a:fillRect/>
-          </a:stretch>
-        </p:blipFill>
-        <p:spPr bwMode="auto">
+        </p:nvSpPr>
+        <p:spPr>
           <a:xfrm>
-            <a:off x="6053138" y="3717032"/>
-            <a:ext cx="2962275" cy="2962275"/>
+            <a:off x="2663976" y="5354052"/>
+            <a:ext cx="3600024" cy="1077218"/>
           </a:xfrm>
           <a:prstGeom prst="rect">
             <a:avLst/>
           </a:prstGeom>
+          <a:solidFill>
+            <a:srgbClr val="FFFF00"/>
+          </a:solidFill>
+        </p:spPr>
+        <p:txBody>
+          <a:bodyPr wrap="none" rtlCol="0">
+            <a:spAutoFit/>
+          </a:bodyPr>
+          <a:lstStyle/>
+          <a:p>
+            <a:pPr defTabSz="360000"/>
+            <a:r>
+              <a:rPr lang="en-US" altLang="ko-KR" sz="1600" b="1"/>
+              <a:t>(</a:t>
+            </a:r>
+            <a:r>
+              <a:rPr lang="ko-KR" altLang="en-US" sz="1600" b="1"/>
+              <a:t>세로</a:t>
+            </a:r>
+            <a:r>
+              <a:rPr lang="en-US" altLang="ko-KR" sz="1600" b="1"/>
+              <a:t>=88</a:t>
+            </a:r>
+            <a:r>
+              <a:rPr lang="en-US" altLang="ko-KR" sz="1600" b="1"/>
+              <a:t>) </a:t>
+            </a:r>
+            <a:r>
+              <a:rPr lang="ko-KR" altLang="en-US" sz="1600" b="1" smtClean="0"/>
+              <a:t>이면</a:t>
+            </a:r>
+            <a:endParaRPr lang="en-US" altLang="ko-KR" sz="1600" b="1" smtClean="0"/>
+          </a:p>
+          <a:p>
+            <a:pPr defTabSz="360000"/>
+            <a:r>
+              <a:rPr lang="en-US" altLang="ko-KR" sz="1600" b="1"/>
+              <a:t>	</a:t>
+            </a:r>
+            <a:r>
+              <a:rPr lang="en-US" altLang="ko-KR" sz="1600" b="1" smtClean="0"/>
+              <a:t>(</a:t>
+            </a:r>
+            <a:r>
+              <a:rPr lang="ko-KR" altLang="en-US" sz="1600" b="1"/>
+              <a:t>가로</a:t>
+            </a:r>
+            <a:r>
+              <a:rPr lang="en-US" altLang="ko-KR" sz="1600" b="1"/>
+              <a:t>&gt;=(</a:t>
+            </a:r>
+            <a:r>
+              <a:rPr lang="ko-KR" altLang="en-US" sz="1600" b="1"/>
+              <a:t>막대위치</a:t>
+            </a:r>
+            <a:r>
+              <a:rPr lang="en-US" altLang="ko-KR" sz="1600" b="1"/>
+              <a:t>-1</a:t>
+            </a:r>
+            <a:r>
+              <a:rPr lang="en-US" altLang="ko-KR" sz="1600" b="1"/>
+              <a:t>)) </a:t>
+            </a:r>
+            <a:r>
+              <a:rPr lang="ko-KR" altLang="en-US" sz="1600" b="1" smtClean="0"/>
+              <a:t>이면</a:t>
+            </a:r>
+            <a:endParaRPr lang="en-US" altLang="ko-KR" sz="1600" b="1" smtClean="0"/>
+          </a:p>
+          <a:p>
+            <a:pPr defTabSz="360000"/>
+            <a:r>
+              <a:rPr lang="en-US" altLang="ko-KR" sz="1600" b="1"/>
+              <a:t>	</a:t>
+            </a:r>
+            <a:r>
+              <a:rPr lang="en-US" altLang="ko-KR" sz="1600" b="1" smtClean="0"/>
+              <a:t>	(</a:t>
+            </a:r>
+            <a:r>
+              <a:rPr lang="ko-KR" altLang="en-US" sz="1600" b="1"/>
+              <a:t>가로</a:t>
+            </a:r>
+            <a:r>
+              <a:rPr lang="en-US" altLang="ko-KR" sz="1600" b="1"/>
+              <a:t>&lt;=(</a:t>
+            </a:r>
+            <a:r>
+              <a:rPr lang="ko-KR" altLang="en-US" sz="1600" b="1"/>
+              <a:t>막대위치</a:t>
+            </a:r>
+            <a:r>
+              <a:rPr lang="en-US" altLang="ko-KR" sz="1600" b="1"/>
+              <a:t>+19)) </a:t>
+            </a:r>
+            <a:r>
+              <a:rPr lang="ko-KR" altLang="en-US" sz="1600" b="1"/>
+              <a:t>이면</a:t>
+            </a:r>
+          </a:p>
+          <a:p>
+            <a:pPr defTabSz="360000"/>
+            <a:r>
+              <a:rPr lang="ko-KR" altLang="en-US" sz="1600" b="1"/>
+              <a:t>	</a:t>
+            </a:r>
+            <a:r>
+              <a:rPr lang="ko-KR" altLang="en-US" sz="1600" b="1"/>
+              <a:t>	</a:t>
+            </a:r>
+            <a:r>
+              <a:rPr lang="en-US" altLang="ko-KR" sz="1600" b="1" smtClean="0"/>
+              <a:t>	</a:t>
+            </a:r>
+            <a:r>
+              <a:rPr lang="ko-KR" altLang="en-US" sz="1600" b="1" smtClean="0"/>
+              <a:t>세로속도 </a:t>
+            </a:r>
+            <a:r>
+              <a:rPr lang="en-US" altLang="ko-KR" sz="1600" b="1"/>
+              <a:t>-&gt; -</a:t>
+            </a:r>
+            <a:r>
+              <a:rPr lang="ko-KR" altLang="en-US" sz="1600" b="1"/>
+              <a:t>세로속도</a:t>
+            </a:r>
+            <a:endParaRPr lang="ko-KR" altLang="en-US" sz="1600" b="1"/>
+          </a:p>
+        </p:txBody>
+      </p:sp>
+      <p:sp>
+        <p:nvSpPr>
+          <p:cNvPr id="4" name="위로 굽은 화살표 3"/>
+          <p:cNvSpPr/>
+          <p:nvPr/>
+        </p:nvSpPr>
+        <p:spPr>
+          <a:xfrm rot="5400000">
+            <a:off x="1868796" y="5186518"/>
+            <a:ext cx="673043" cy="739244"/>
+          </a:xfrm>
+          <a:prstGeom prst="bentUpArrow">
+            <a:avLst/>
+          </a:prstGeom>
           <a:noFill/>
-          <a:ln>
-            <a:noFill/>
-          </a:ln>
-          <a:extLst>
-            <a:ext uri="{909E8E84-426E-40DD-AFC4-6F175D3DCCD1}">
-              <a14:hiddenFill xmlns:a14="http://schemas.microsoft.com/office/drawing/2010/main">
-                <a:solidFill>
-                  <a:schemeClr val="accent1"/>
-                </a:solidFill>
-              </a14:hiddenFill>
-            </a:ext>
-            <a:ext uri="{91240B29-F687-4F45-9708-019B960494DF}">
-              <a14:hiddenLine xmlns:a14="http://schemas.microsoft.com/office/drawing/2010/main" w="9525">
-                <a:solidFill>
-                  <a:schemeClr val="tx1"/>
-                </a:solidFill>
-                <a:miter lim="800000"/>
-                <a:headEnd/>
-                <a:tailEnd/>
-              </a14:hiddenLine>
-            </a:ext>
-          </a:extLst>
         </p:spPr>
-      </p:pic>
+        <p:style>
+          <a:lnRef idx="2">
+            <a:schemeClr val="accent1">
+              <a:shade val="50000"/>
+            </a:schemeClr>
+          </a:lnRef>
+          <a:fillRef idx="1">
+            <a:schemeClr val="accent1"/>
+          </a:fillRef>
+          <a:effectRef idx="0">
+            <a:schemeClr val="accent1"/>
+          </a:effectRef>
+          <a:fontRef idx="minor">
+            <a:schemeClr val="lt1"/>
+          </a:fontRef>
+        </p:style>
+        <p:txBody>
+          <a:bodyPr rtlCol="0" anchor="ctr"/>
+          <a:lstStyle/>
+          <a:p>
+            <a:pPr algn="ctr"/>
+            <a:endParaRPr lang="ko-KR" altLang="en-US"/>
+          </a:p>
+        </p:txBody>
+      </p:sp>
     </p:spTree>
     <p:extLst>
       <p:ext uri="{BB962C8B-B14F-4D97-AF65-F5344CB8AC3E}">
-        <p14:creationId xmlns:p14="http://schemas.microsoft.com/office/powerpoint/2010/main" val="448621301"/>
+        <p14:creationId xmlns:p14="http://schemas.microsoft.com/office/powerpoint/2010/main" val="1226635818"/>
       </p:ext>
     </p:extLst>
   </p:cSld>
@@ -10401,6 +10820,1296 @@
       </p:par>
     </p:tnLst>
   </p:timing>
+</p:sld>
+</file>
+
+<file path=ppt/slides/slide20.xml><?xml version="1.0" encoding="utf-8"?>
+<p:sld xmlns:a="http://schemas.openxmlformats.org/drawingml/2006/main" xmlns:r="http://schemas.openxmlformats.org/officeDocument/2006/relationships" xmlns:p="http://schemas.openxmlformats.org/presentationml/2006/main">
+  <p:cSld>
+    <p:spTree>
+      <p:nvGrpSpPr>
+        <p:cNvPr id="1" name=""/>
+        <p:cNvGrpSpPr/>
+        <p:nvPr/>
+      </p:nvGrpSpPr>
+      <p:grpSpPr>
+        <a:xfrm>
+          <a:off x="0" y="0"/>
+          <a:ext cx="0" cy="0"/>
+          <a:chOff x="0" y="0"/>
+          <a:chExt cx="0" cy="0"/>
+        </a:xfrm>
+      </p:grpSpPr>
+      <p:sp>
+        <p:nvSpPr>
+          <p:cNvPr id="2" name="제목 1"/>
+          <p:cNvSpPr>
+            <a:spLocks noGrp="1"/>
+          </p:cNvSpPr>
+          <p:nvPr>
+            <p:ph type="title"/>
+          </p:nvPr>
+        </p:nvSpPr>
+        <p:spPr/>
+        <p:txBody>
+          <a:bodyPr/>
+          <a:lstStyle/>
+          <a:p>
+            <a:r>
+              <a:rPr lang="ko-KR" altLang="en-US" smtClean="0"/>
+              <a:t>게임 재시작</a:t>
+            </a:r>
+            <a:r>
+              <a:rPr lang="en-US" altLang="ko-KR" smtClean="0"/>
+              <a:t>(</a:t>
+            </a:r>
+            <a:r>
+              <a:rPr lang="ko-KR" altLang="en-US" smtClean="0"/>
+              <a:t>초기화</a:t>
+            </a:r>
+            <a:r>
+              <a:rPr lang="en-US" altLang="ko-KR" smtClean="0"/>
+              <a:t>)</a:t>
+            </a:r>
+            <a:endParaRPr lang="ko-KR" altLang="en-US"/>
+          </a:p>
+        </p:txBody>
+      </p:sp>
+      <p:sp>
+        <p:nvSpPr>
+          <p:cNvPr id="3" name="직사각형 2"/>
+          <p:cNvSpPr/>
+          <p:nvPr/>
+        </p:nvSpPr>
+        <p:spPr>
+          <a:xfrm>
+            <a:off x="323528" y="1556793"/>
+            <a:ext cx="7704856" cy="3888431"/>
+          </a:xfrm>
+          <a:prstGeom prst="rect">
+            <a:avLst/>
+          </a:prstGeom>
+        </p:spPr>
+        <p:style>
+          <a:lnRef idx="2">
+            <a:schemeClr val="accent1">
+              <a:shade val="50000"/>
+            </a:schemeClr>
+          </a:lnRef>
+          <a:fillRef idx="1">
+            <a:schemeClr val="accent1"/>
+          </a:fillRef>
+          <a:effectRef idx="0">
+            <a:schemeClr val="accent1"/>
+          </a:effectRef>
+          <a:fontRef idx="minor">
+            <a:schemeClr val="lt1"/>
+          </a:fontRef>
+        </p:style>
+        <p:txBody>
+          <a:bodyPr rtlCol="0" anchor="ctr"/>
+          <a:lstStyle/>
+          <a:p>
+            <a:pPr defTabSz="360000"/>
+            <a:r>
+              <a:rPr lang="ko-KR" altLang="en-US" smtClean="0">
+                <a:solidFill>
+                  <a:schemeClr val="bg1"/>
+                </a:solidFill>
+              </a:rPr>
+              <a:t>게임중 동안</a:t>
+            </a:r>
+            <a:endParaRPr lang="en-US" altLang="ko-KR" smtClean="0">
+              <a:solidFill>
+                <a:schemeClr val="bg1"/>
+              </a:solidFill>
+            </a:endParaRPr>
+          </a:p>
+          <a:p>
+            <a:pPr defTabSz="360000"/>
+            <a:endParaRPr lang="en-US" altLang="ko-KR" smtClean="0">
+              <a:solidFill>
+                <a:schemeClr val="bg1"/>
+              </a:solidFill>
+            </a:endParaRPr>
+          </a:p>
+          <a:p>
+            <a:pPr defTabSz="360000"/>
+            <a:r>
+              <a:rPr lang="en-US" altLang="ko-KR">
+                <a:solidFill>
+                  <a:schemeClr val="bg1"/>
+                </a:solidFill>
+              </a:rPr>
+              <a:t>	</a:t>
+            </a:r>
+            <a:r>
+              <a:rPr lang="en-US" altLang="ko-KR" smtClean="0">
+                <a:solidFill>
+                  <a:schemeClr val="bg1"/>
+                </a:solidFill>
+              </a:rPr>
+              <a:t># </a:t>
+            </a:r>
+            <a:r>
+              <a:rPr lang="ko-KR" altLang="en-US" smtClean="0">
+                <a:solidFill>
+                  <a:schemeClr val="bg1"/>
+                </a:solidFill>
+              </a:rPr>
+              <a:t>중간 생략</a:t>
+            </a:r>
+            <a:endParaRPr lang="en-US" altLang="ko-KR" smtClean="0">
+              <a:solidFill>
+                <a:schemeClr val="bg1"/>
+              </a:solidFill>
+            </a:endParaRPr>
+          </a:p>
+          <a:p>
+            <a:pPr defTabSz="360000"/>
+            <a:endParaRPr lang="en-US" altLang="ko-KR" smtClean="0">
+              <a:solidFill>
+                <a:schemeClr val="bg1"/>
+              </a:solidFill>
+            </a:endParaRPr>
+          </a:p>
+          <a:p>
+            <a:pPr defTabSz="360000"/>
+            <a:r>
+              <a:rPr lang="en-US" altLang="ko-KR">
+                <a:solidFill>
+                  <a:schemeClr val="bg1"/>
+                </a:solidFill>
+              </a:rPr>
+              <a:t>	(</a:t>
+            </a:r>
+            <a:r>
+              <a:rPr lang="ko-KR" altLang="en-US">
+                <a:solidFill>
+                  <a:schemeClr val="bg1"/>
+                </a:solidFill>
+              </a:rPr>
+              <a:t>세로</a:t>
+            </a:r>
+            <a:r>
+              <a:rPr lang="en-US" altLang="ko-KR">
+                <a:solidFill>
+                  <a:schemeClr val="bg1"/>
+                </a:solidFill>
+              </a:rPr>
+              <a:t>=88) * (</a:t>
+            </a:r>
+            <a:r>
+              <a:rPr lang="ko-KR" altLang="en-US">
+                <a:solidFill>
+                  <a:schemeClr val="bg1"/>
+                </a:solidFill>
+              </a:rPr>
+              <a:t>가로</a:t>
+            </a:r>
+            <a:r>
+              <a:rPr lang="en-US" altLang="ko-KR">
+                <a:solidFill>
+                  <a:schemeClr val="bg1"/>
+                </a:solidFill>
+              </a:rPr>
+              <a:t>&gt;=(</a:t>
+            </a:r>
+            <a:r>
+              <a:rPr lang="ko-KR" altLang="en-US">
+                <a:solidFill>
+                  <a:schemeClr val="bg1"/>
+                </a:solidFill>
+              </a:rPr>
+              <a:t>막대위치</a:t>
+            </a:r>
+            <a:r>
+              <a:rPr lang="en-US" altLang="ko-KR">
+                <a:solidFill>
+                  <a:schemeClr val="bg1"/>
+                </a:solidFill>
+              </a:rPr>
+              <a:t>-1)) * (</a:t>
+            </a:r>
+            <a:r>
+              <a:rPr lang="ko-KR" altLang="en-US">
+                <a:solidFill>
+                  <a:schemeClr val="bg1"/>
+                </a:solidFill>
+              </a:rPr>
+              <a:t>가로</a:t>
+            </a:r>
+            <a:r>
+              <a:rPr lang="en-US" altLang="ko-KR">
+                <a:solidFill>
+                  <a:schemeClr val="bg1"/>
+                </a:solidFill>
+              </a:rPr>
+              <a:t>&lt;=(</a:t>
+            </a:r>
+            <a:r>
+              <a:rPr lang="ko-KR" altLang="en-US">
+                <a:solidFill>
+                  <a:schemeClr val="bg1"/>
+                </a:solidFill>
+              </a:rPr>
+              <a:t>막대위치</a:t>
+            </a:r>
+            <a:r>
+              <a:rPr lang="en-US" altLang="ko-KR">
+                <a:solidFill>
+                  <a:schemeClr val="bg1"/>
+                </a:solidFill>
+              </a:rPr>
+              <a:t>+19)) </a:t>
+            </a:r>
+            <a:r>
+              <a:rPr lang="ko-KR" altLang="en-US">
+                <a:solidFill>
+                  <a:schemeClr val="bg1"/>
+                </a:solidFill>
+              </a:rPr>
+              <a:t>이면</a:t>
+            </a:r>
+          </a:p>
+          <a:p>
+            <a:pPr defTabSz="360000"/>
+            <a:r>
+              <a:rPr lang="ko-KR" altLang="en-US">
+                <a:solidFill>
+                  <a:schemeClr val="bg1"/>
+                </a:solidFill>
+              </a:rPr>
+              <a:t>		세로속도 </a:t>
+            </a:r>
+            <a:r>
+              <a:rPr lang="en-US" altLang="ko-KR">
+                <a:solidFill>
+                  <a:schemeClr val="bg1"/>
+                </a:solidFill>
+              </a:rPr>
+              <a:t>-&gt; -</a:t>
+            </a:r>
+            <a:r>
+              <a:rPr lang="ko-KR" altLang="en-US">
+                <a:solidFill>
+                  <a:schemeClr val="bg1"/>
+                </a:solidFill>
+              </a:rPr>
+              <a:t>세로속도</a:t>
+            </a:r>
+          </a:p>
+          <a:p>
+            <a:pPr defTabSz="360000"/>
+            <a:r>
+              <a:rPr lang="ko-KR" altLang="en-US">
+                <a:solidFill>
+                  <a:schemeClr val="bg1"/>
+                </a:solidFill>
+              </a:rPr>
+              <a:t>		</a:t>
+            </a:r>
+          </a:p>
+          <a:p>
+            <a:pPr defTabSz="360000"/>
+            <a:r>
+              <a:rPr lang="ko-KR" altLang="en-US">
+                <a:solidFill>
+                  <a:schemeClr val="bg1"/>
+                </a:solidFill>
+              </a:rPr>
+              <a:t>	</a:t>
+            </a:r>
+            <a:r>
+              <a:rPr lang="ko-KR" altLang="en-US" b="1">
+                <a:solidFill>
+                  <a:srgbClr val="FFFF00"/>
+                </a:solidFill>
+              </a:rPr>
+              <a:t>세로 </a:t>
+            </a:r>
+            <a:r>
+              <a:rPr lang="en-US" altLang="ko-KR" b="1">
+                <a:solidFill>
+                  <a:srgbClr val="FFFF00"/>
+                </a:solidFill>
+              </a:rPr>
+              <a:t>&gt; 98 </a:t>
+            </a:r>
+            <a:r>
+              <a:rPr lang="ko-KR" altLang="en-US" b="1">
+                <a:solidFill>
+                  <a:srgbClr val="FFFF00"/>
+                </a:solidFill>
+              </a:rPr>
+              <a:t>이면</a:t>
+            </a:r>
+          </a:p>
+          <a:p>
+            <a:pPr defTabSz="360000"/>
+            <a:r>
+              <a:rPr lang="ko-KR" altLang="en-US" b="1">
+                <a:solidFill>
+                  <a:srgbClr val="FFFF00"/>
+                </a:solidFill>
+              </a:rPr>
+              <a:t>		세로 </a:t>
+            </a:r>
+            <a:r>
+              <a:rPr lang="en-US" altLang="ko-KR" b="1">
+                <a:solidFill>
+                  <a:srgbClr val="FFFF00"/>
+                </a:solidFill>
+              </a:rPr>
+              <a:t>-&gt; 7</a:t>
+            </a:r>
+          </a:p>
+          <a:p>
+            <a:pPr defTabSz="360000"/>
+            <a:r>
+              <a:rPr lang="en-US" altLang="ko-KR" b="1">
+                <a:solidFill>
+                  <a:srgbClr val="FFFF00"/>
+                </a:solidFill>
+              </a:rPr>
+              <a:t>		</a:t>
+            </a:r>
+            <a:r>
+              <a:rPr lang="ko-KR" altLang="en-US" b="1">
+                <a:solidFill>
+                  <a:srgbClr val="FFFF00"/>
+                </a:solidFill>
+              </a:rPr>
+              <a:t>가로 </a:t>
+            </a:r>
+            <a:r>
+              <a:rPr lang="en-US" altLang="ko-KR" b="1">
+                <a:solidFill>
+                  <a:srgbClr val="FFFF00"/>
+                </a:solidFill>
+              </a:rPr>
+              <a:t>-&gt; 37</a:t>
+            </a:r>
+          </a:p>
+          <a:p>
+            <a:pPr defTabSz="360000"/>
+            <a:r>
+              <a:rPr lang="en-US" altLang="ko-KR" b="1">
+                <a:solidFill>
+                  <a:srgbClr val="FFFF00"/>
+                </a:solidFill>
+              </a:rPr>
+              <a:t>		</a:t>
+            </a:r>
+            <a:r>
+              <a:rPr lang="ko-KR" altLang="en-US" b="1">
+                <a:solidFill>
+                  <a:srgbClr val="FFFF00"/>
+                </a:solidFill>
+              </a:rPr>
+              <a:t>세로속도 </a:t>
+            </a:r>
+            <a:r>
+              <a:rPr lang="en-US" altLang="ko-KR" b="1">
+                <a:solidFill>
+                  <a:srgbClr val="FFFF00"/>
+                </a:solidFill>
+              </a:rPr>
+              <a:t>-&gt; 1</a:t>
+            </a:r>
+          </a:p>
+          <a:p>
+            <a:pPr defTabSz="360000"/>
+            <a:r>
+              <a:rPr lang="en-US" altLang="ko-KR" b="1">
+                <a:solidFill>
+                  <a:srgbClr val="FFFF00"/>
+                </a:solidFill>
+              </a:rPr>
+              <a:t>		</a:t>
+            </a:r>
+            <a:r>
+              <a:rPr lang="ko-KR" altLang="en-US" b="1">
+                <a:solidFill>
+                  <a:srgbClr val="FFFF00"/>
+                </a:solidFill>
+              </a:rPr>
+              <a:t>가로속도 </a:t>
+            </a:r>
+            <a:r>
+              <a:rPr lang="en-US" altLang="ko-KR" b="1">
+                <a:solidFill>
+                  <a:srgbClr val="FFFF00"/>
+                </a:solidFill>
+              </a:rPr>
+              <a:t>-&gt; 1</a:t>
+            </a:r>
+            <a:endParaRPr lang="ko-KR" altLang="en-US" b="1">
+              <a:solidFill>
+                <a:srgbClr val="FFFF00"/>
+              </a:solidFill>
+            </a:endParaRPr>
+          </a:p>
+        </p:txBody>
+      </p:sp>
+      <p:pic>
+        <p:nvPicPr>
+          <p:cNvPr id="11267" name="Picture 3"/>
+          <p:cNvPicPr>
+            <a:picLocks noChangeAspect="1" noChangeArrowheads="1"/>
+          </p:cNvPicPr>
+          <p:nvPr/>
+        </p:nvPicPr>
+        <p:blipFill>
+          <a:blip r:embed="rId2">
+            <a:extLst>
+              <a:ext uri="{28A0092B-C50C-407E-A947-70E740481C1C}">
+                <a14:useLocalDpi xmlns:a14="http://schemas.microsoft.com/office/drawing/2010/main" val="0"/>
+              </a:ext>
+            </a:extLst>
+          </a:blip>
+          <a:srcRect/>
+          <a:stretch>
+            <a:fillRect/>
+          </a:stretch>
+        </p:blipFill>
+        <p:spPr bwMode="auto">
+          <a:xfrm>
+            <a:off x="5652120" y="3717032"/>
+            <a:ext cx="2962275" cy="2981325"/>
+          </a:xfrm>
+          <a:prstGeom prst="rect">
+            <a:avLst/>
+          </a:prstGeom>
+          <a:noFill/>
+          <a:ln>
+            <a:noFill/>
+          </a:ln>
+          <a:extLst>
+            <a:ext uri="{909E8E84-426E-40DD-AFC4-6F175D3DCCD1}">
+              <a14:hiddenFill xmlns:a14="http://schemas.microsoft.com/office/drawing/2010/main">
+                <a:solidFill>
+                  <a:schemeClr val="accent1"/>
+                </a:solidFill>
+              </a14:hiddenFill>
+            </a:ext>
+            <a:ext uri="{91240B29-F687-4F45-9708-019B960494DF}">
+              <a14:hiddenLine xmlns:a14="http://schemas.microsoft.com/office/drawing/2010/main" w="9525">
+                <a:solidFill>
+                  <a:schemeClr val="tx1"/>
+                </a:solidFill>
+                <a:miter lim="800000"/>
+                <a:headEnd/>
+                <a:tailEnd/>
+              </a14:hiddenLine>
+            </a:ext>
+          </a:extLst>
+        </p:spPr>
+      </p:pic>
+    </p:spTree>
+    <p:extLst>
+      <p:ext uri="{BB962C8B-B14F-4D97-AF65-F5344CB8AC3E}">
+        <p14:creationId xmlns:p14="http://schemas.microsoft.com/office/powerpoint/2010/main" val="1018160142"/>
+      </p:ext>
+    </p:extLst>
+  </p:cSld>
+  <p:clrMapOvr>
+    <a:masterClrMapping/>
+  </p:clrMapOvr>
+</p:sld>
+</file>
+
+<file path=ppt/slides/slide21.xml><?xml version="1.0" encoding="utf-8"?>
+<p:sld xmlns:a="http://schemas.openxmlformats.org/drawingml/2006/main" xmlns:r="http://schemas.openxmlformats.org/officeDocument/2006/relationships" xmlns:p="http://schemas.openxmlformats.org/presentationml/2006/main">
+  <p:cSld>
+    <p:spTree>
+      <p:nvGrpSpPr>
+        <p:cNvPr id="1" name=""/>
+        <p:cNvGrpSpPr/>
+        <p:nvPr/>
+      </p:nvGrpSpPr>
+      <p:grpSpPr>
+        <a:xfrm>
+          <a:off x="0" y="0"/>
+          <a:ext cx="0" cy="0"/>
+          <a:chOff x="0" y="0"/>
+          <a:chExt cx="0" cy="0"/>
+        </a:xfrm>
+      </p:grpSpPr>
+      <p:sp>
+        <p:nvSpPr>
+          <p:cNvPr id="2" name="제목 1"/>
+          <p:cNvSpPr>
+            <a:spLocks noGrp="1"/>
+          </p:cNvSpPr>
+          <p:nvPr>
+            <p:ph type="title"/>
+          </p:nvPr>
+        </p:nvSpPr>
+        <p:spPr/>
+        <p:txBody>
+          <a:bodyPr/>
+          <a:lstStyle/>
+          <a:p>
+            <a:r>
+              <a:rPr lang="ko-KR" altLang="en-US" smtClean="0"/>
+              <a:t>점수 표시</a:t>
+            </a:r>
+            <a:endParaRPr lang="ko-KR" altLang="en-US"/>
+          </a:p>
+        </p:txBody>
+      </p:sp>
+      <p:sp>
+        <p:nvSpPr>
+          <p:cNvPr id="3" name="직사각형 2"/>
+          <p:cNvSpPr/>
+          <p:nvPr/>
+        </p:nvSpPr>
+        <p:spPr>
+          <a:xfrm>
+            <a:off x="323528" y="1196753"/>
+            <a:ext cx="7704856" cy="5626570"/>
+          </a:xfrm>
+          <a:prstGeom prst="rect">
+            <a:avLst/>
+          </a:prstGeom>
+        </p:spPr>
+        <p:style>
+          <a:lnRef idx="2">
+            <a:schemeClr val="accent1">
+              <a:shade val="50000"/>
+            </a:schemeClr>
+          </a:lnRef>
+          <a:fillRef idx="1">
+            <a:schemeClr val="accent1"/>
+          </a:fillRef>
+          <a:effectRef idx="0">
+            <a:schemeClr val="accent1"/>
+          </a:effectRef>
+          <a:fontRef idx="minor">
+            <a:schemeClr val="lt1"/>
+          </a:fontRef>
+        </p:style>
+        <p:txBody>
+          <a:bodyPr rtlCol="0" anchor="ctr"/>
+          <a:lstStyle/>
+          <a:p>
+            <a:pPr defTabSz="360000"/>
+            <a:r>
+              <a:rPr lang="ko-KR" altLang="en-US" b="1">
+                <a:solidFill>
+                  <a:srgbClr val="FFFF00"/>
+                </a:solidFill>
+              </a:rPr>
+              <a:t>점수 </a:t>
+            </a:r>
+            <a:r>
+              <a:rPr lang="en-US" altLang="ko-KR" b="1">
+                <a:solidFill>
+                  <a:srgbClr val="FFFF00"/>
+                </a:solidFill>
+              </a:rPr>
+              <a:t>-&gt; 0</a:t>
+            </a:r>
+          </a:p>
+          <a:p>
+            <a:pPr defTabSz="360000"/>
+            <a:endParaRPr lang="en-US" altLang="ko-KR" sz="1600" smtClean="0">
+              <a:solidFill>
+                <a:schemeClr val="bg1"/>
+              </a:solidFill>
+            </a:endParaRPr>
+          </a:p>
+          <a:p>
+            <a:pPr defTabSz="360000"/>
+            <a:r>
+              <a:rPr lang="ko-KR" altLang="en-US" sz="1600" smtClean="0">
+                <a:solidFill>
+                  <a:schemeClr val="bg1"/>
+                </a:solidFill>
+              </a:rPr>
+              <a:t>게임중 동안</a:t>
+            </a:r>
+            <a:endParaRPr lang="en-US" altLang="ko-KR" sz="1600" smtClean="0">
+              <a:solidFill>
+                <a:schemeClr val="bg1"/>
+              </a:solidFill>
+            </a:endParaRPr>
+          </a:p>
+          <a:p>
+            <a:pPr defTabSz="360000"/>
+            <a:r>
+              <a:rPr lang="en-US" altLang="ko-KR" sz="1600">
+                <a:solidFill>
+                  <a:schemeClr val="bg1"/>
+                </a:solidFill>
+              </a:rPr>
+              <a:t>	</a:t>
+            </a:r>
+            <a:r>
+              <a:rPr lang="en-US" altLang="ko-KR" sz="1600" smtClean="0">
+                <a:solidFill>
+                  <a:schemeClr val="bg1"/>
+                </a:solidFill>
+              </a:rPr>
+              <a:t># </a:t>
+            </a:r>
+            <a:r>
+              <a:rPr lang="ko-KR" altLang="en-US" sz="1600" smtClean="0">
+                <a:solidFill>
+                  <a:schemeClr val="bg1"/>
+                </a:solidFill>
+              </a:rPr>
+              <a:t>중간 생략</a:t>
+            </a:r>
+            <a:endParaRPr lang="en-US" altLang="ko-KR" sz="1600" smtClean="0">
+              <a:solidFill>
+                <a:schemeClr val="bg1"/>
+              </a:solidFill>
+            </a:endParaRPr>
+          </a:p>
+          <a:p>
+            <a:pPr defTabSz="360000"/>
+            <a:endParaRPr lang="en-US" altLang="ko-KR" sz="1600" smtClean="0">
+              <a:solidFill>
+                <a:schemeClr val="bg1"/>
+              </a:solidFill>
+            </a:endParaRPr>
+          </a:p>
+          <a:p>
+            <a:pPr defTabSz="360000"/>
+            <a:r>
+              <a:rPr lang="en-US" altLang="ko-KR" sz="1600">
+                <a:solidFill>
+                  <a:schemeClr val="bg1"/>
+                </a:solidFill>
+              </a:rPr>
+              <a:t>	(</a:t>
+            </a:r>
+            <a:r>
+              <a:rPr lang="ko-KR" altLang="en-US" sz="1600">
+                <a:solidFill>
+                  <a:schemeClr val="bg1"/>
+                </a:solidFill>
+              </a:rPr>
+              <a:t>세로</a:t>
+            </a:r>
+            <a:r>
+              <a:rPr lang="en-US" altLang="ko-KR" sz="1600">
+                <a:solidFill>
+                  <a:schemeClr val="bg1"/>
+                </a:solidFill>
+              </a:rPr>
+              <a:t>=88) * (</a:t>
+            </a:r>
+            <a:r>
+              <a:rPr lang="ko-KR" altLang="en-US" sz="1600">
+                <a:solidFill>
+                  <a:schemeClr val="bg1"/>
+                </a:solidFill>
+              </a:rPr>
+              <a:t>가로</a:t>
+            </a:r>
+            <a:r>
+              <a:rPr lang="en-US" altLang="ko-KR" sz="1600">
+                <a:solidFill>
+                  <a:schemeClr val="bg1"/>
+                </a:solidFill>
+              </a:rPr>
+              <a:t>&gt;=(</a:t>
+            </a:r>
+            <a:r>
+              <a:rPr lang="ko-KR" altLang="en-US" sz="1600">
+                <a:solidFill>
+                  <a:schemeClr val="bg1"/>
+                </a:solidFill>
+              </a:rPr>
+              <a:t>막대위치</a:t>
+            </a:r>
+            <a:r>
+              <a:rPr lang="en-US" altLang="ko-KR" sz="1600">
+                <a:solidFill>
+                  <a:schemeClr val="bg1"/>
+                </a:solidFill>
+              </a:rPr>
+              <a:t>-1)) * (</a:t>
+            </a:r>
+            <a:r>
+              <a:rPr lang="ko-KR" altLang="en-US" sz="1600">
+                <a:solidFill>
+                  <a:schemeClr val="bg1"/>
+                </a:solidFill>
+              </a:rPr>
+              <a:t>가로</a:t>
+            </a:r>
+            <a:r>
+              <a:rPr lang="en-US" altLang="ko-KR" sz="1600">
+                <a:solidFill>
+                  <a:schemeClr val="bg1"/>
+                </a:solidFill>
+              </a:rPr>
+              <a:t>&lt;=(</a:t>
+            </a:r>
+            <a:r>
+              <a:rPr lang="ko-KR" altLang="en-US" sz="1600">
+                <a:solidFill>
+                  <a:schemeClr val="bg1"/>
+                </a:solidFill>
+              </a:rPr>
+              <a:t>막대위치</a:t>
+            </a:r>
+            <a:r>
+              <a:rPr lang="en-US" altLang="ko-KR" sz="1600">
+                <a:solidFill>
+                  <a:schemeClr val="bg1"/>
+                </a:solidFill>
+              </a:rPr>
+              <a:t>+19)) </a:t>
+            </a:r>
+            <a:r>
+              <a:rPr lang="ko-KR" altLang="en-US" sz="1600">
+                <a:solidFill>
+                  <a:schemeClr val="bg1"/>
+                </a:solidFill>
+              </a:rPr>
+              <a:t>이면</a:t>
+            </a:r>
+          </a:p>
+          <a:p>
+            <a:pPr defTabSz="360000"/>
+            <a:r>
+              <a:rPr lang="ko-KR" altLang="en-US" sz="1600">
+                <a:solidFill>
+                  <a:schemeClr val="bg1"/>
+                </a:solidFill>
+              </a:rPr>
+              <a:t>		세로속도 </a:t>
+            </a:r>
+            <a:r>
+              <a:rPr lang="en-US" altLang="ko-KR" sz="1600">
+                <a:solidFill>
+                  <a:schemeClr val="bg1"/>
+                </a:solidFill>
+              </a:rPr>
+              <a:t>-&gt; -</a:t>
+            </a:r>
+            <a:r>
+              <a:rPr lang="ko-KR" altLang="en-US" sz="1600">
+                <a:solidFill>
+                  <a:schemeClr val="bg1"/>
+                </a:solidFill>
+              </a:rPr>
+              <a:t>세로속도</a:t>
+            </a:r>
+          </a:p>
+          <a:p>
+            <a:pPr defTabSz="360000"/>
+            <a:r>
+              <a:rPr lang="ko-KR" altLang="en-US" sz="1600">
+                <a:solidFill>
+                  <a:schemeClr val="bg1"/>
+                </a:solidFill>
+              </a:rPr>
+              <a:t>		</a:t>
+            </a:r>
+            <a:r>
+              <a:rPr lang="ko-KR" altLang="en-US" b="1">
+                <a:solidFill>
+                  <a:srgbClr val="FFFF00"/>
+                </a:solidFill>
+              </a:rPr>
+              <a:t>점수 </a:t>
+            </a:r>
+            <a:r>
+              <a:rPr lang="en-US" altLang="ko-KR" b="1">
+                <a:solidFill>
+                  <a:srgbClr val="FFFF00"/>
+                </a:solidFill>
+              </a:rPr>
+              <a:t>-&gt; </a:t>
+            </a:r>
+            <a:r>
+              <a:rPr lang="ko-KR" altLang="en-US" b="1">
+                <a:solidFill>
+                  <a:srgbClr val="FFFF00"/>
+                </a:solidFill>
+              </a:rPr>
+              <a:t>점수 </a:t>
+            </a:r>
+            <a:r>
+              <a:rPr lang="en-US" altLang="ko-KR" b="1">
+                <a:solidFill>
+                  <a:srgbClr val="FFFF00"/>
+                </a:solidFill>
+              </a:rPr>
+              <a:t>+ 1</a:t>
+            </a:r>
+          </a:p>
+          <a:p>
+            <a:pPr defTabSz="360000"/>
+            <a:r>
+              <a:rPr lang="en-US" altLang="ko-KR" b="1">
+                <a:solidFill>
+                  <a:srgbClr val="FFFF00"/>
+                </a:solidFill>
+              </a:rPr>
+              <a:t>		</a:t>
+            </a:r>
+            <a:r>
+              <a:rPr lang="ko-KR" altLang="en-US" b="1">
+                <a:solidFill>
+                  <a:srgbClr val="FFFF00"/>
+                </a:solidFill>
+              </a:rPr>
+              <a:t>점수 </a:t>
+            </a:r>
+            <a:r>
+              <a:rPr lang="en-US" altLang="ko-KR" b="1">
+                <a:solidFill>
+                  <a:srgbClr val="FFFF00"/>
+                </a:solidFill>
+              </a:rPr>
+              <a:t>&gt; 0 </a:t>
+            </a:r>
+            <a:r>
+              <a:rPr lang="ko-KR" altLang="en-US" b="1">
+                <a:solidFill>
+                  <a:srgbClr val="FFFF00"/>
+                </a:solidFill>
+              </a:rPr>
+              <a:t>이면</a:t>
+            </a:r>
+          </a:p>
+          <a:p>
+            <a:pPr defTabSz="360000"/>
+            <a:r>
+              <a:rPr lang="ko-KR" altLang="en-US" b="1">
+                <a:solidFill>
+                  <a:srgbClr val="FFFF00"/>
+                </a:solidFill>
+              </a:rPr>
+              <a:t>			메모리</a:t>
+            </a:r>
+            <a:r>
+              <a:rPr lang="en-US" altLang="ko-KR" b="1">
+                <a:solidFill>
+                  <a:srgbClr val="FFFF00"/>
+                </a:solidFill>
+              </a:rPr>
+              <a:t>[60000+(</a:t>
+            </a:r>
+            <a:r>
+              <a:rPr lang="ko-KR" altLang="en-US" b="1">
+                <a:solidFill>
+                  <a:srgbClr val="FFFF00"/>
+                </a:solidFill>
+              </a:rPr>
+              <a:t>점수</a:t>
+            </a:r>
+            <a:r>
+              <a:rPr lang="en-US" altLang="ko-KR" b="1">
+                <a:solidFill>
+                  <a:srgbClr val="FFFF00"/>
+                </a:solidFill>
+              </a:rPr>
+              <a:t>-1)] -&gt; 9900</a:t>
+            </a:r>
+          </a:p>
+          <a:p>
+            <a:pPr defTabSz="360000"/>
+            <a:r>
+              <a:rPr lang="en-US" altLang="ko-KR" sz="1600">
+                <a:solidFill>
+                  <a:schemeClr val="bg1"/>
+                </a:solidFill>
+              </a:rPr>
+              <a:t>		</a:t>
+            </a:r>
+          </a:p>
+          <a:p>
+            <a:pPr defTabSz="360000"/>
+            <a:r>
+              <a:rPr lang="en-US" altLang="ko-KR" sz="1600">
+                <a:solidFill>
+                  <a:schemeClr val="bg1"/>
+                </a:solidFill>
+              </a:rPr>
+              <a:t>	</a:t>
+            </a:r>
+            <a:r>
+              <a:rPr lang="ko-KR" altLang="en-US" sz="1600">
+                <a:solidFill>
+                  <a:schemeClr val="bg1"/>
+                </a:solidFill>
+              </a:rPr>
+              <a:t>세로 </a:t>
+            </a:r>
+            <a:r>
+              <a:rPr lang="en-US" altLang="ko-KR" sz="1600">
+                <a:solidFill>
+                  <a:schemeClr val="bg1"/>
+                </a:solidFill>
+              </a:rPr>
+              <a:t>&gt; 98 </a:t>
+            </a:r>
+            <a:r>
+              <a:rPr lang="ko-KR" altLang="en-US" sz="1600">
+                <a:solidFill>
+                  <a:schemeClr val="bg1"/>
+                </a:solidFill>
+              </a:rPr>
+              <a:t>이면</a:t>
+            </a:r>
+          </a:p>
+          <a:p>
+            <a:pPr defTabSz="360000"/>
+            <a:r>
+              <a:rPr lang="ko-KR" altLang="en-US" sz="1600">
+                <a:solidFill>
+                  <a:schemeClr val="bg1"/>
+                </a:solidFill>
+              </a:rPr>
+              <a:t>		세로 </a:t>
+            </a:r>
+            <a:r>
+              <a:rPr lang="en-US" altLang="ko-KR" sz="1600">
+                <a:solidFill>
+                  <a:schemeClr val="bg1"/>
+                </a:solidFill>
+              </a:rPr>
+              <a:t>-&gt; 7</a:t>
+            </a:r>
+          </a:p>
+          <a:p>
+            <a:pPr defTabSz="360000"/>
+            <a:r>
+              <a:rPr lang="en-US" altLang="ko-KR" sz="1600">
+                <a:solidFill>
+                  <a:schemeClr val="bg1"/>
+                </a:solidFill>
+              </a:rPr>
+              <a:t>		</a:t>
+            </a:r>
+            <a:r>
+              <a:rPr lang="ko-KR" altLang="en-US" sz="1600">
+                <a:solidFill>
+                  <a:schemeClr val="bg1"/>
+                </a:solidFill>
+              </a:rPr>
+              <a:t>가로 </a:t>
+            </a:r>
+            <a:r>
+              <a:rPr lang="en-US" altLang="ko-KR" sz="1600">
+                <a:solidFill>
+                  <a:schemeClr val="bg1"/>
+                </a:solidFill>
+              </a:rPr>
+              <a:t>-&gt; 37</a:t>
+            </a:r>
+          </a:p>
+          <a:p>
+            <a:pPr defTabSz="360000"/>
+            <a:r>
+              <a:rPr lang="en-US" altLang="ko-KR" sz="1600">
+                <a:solidFill>
+                  <a:schemeClr val="bg1"/>
+                </a:solidFill>
+              </a:rPr>
+              <a:t>		</a:t>
+            </a:r>
+            <a:r>
+              <a:rPr lang="ko-KR" altLang="en-US" sz="1600">
+                <a:solidFill>
+                  <a:schemeClr val="bg1"/>
+                </a:solidFill>
+              </a:rPr>
+              <a:t>세로속도 </a:t>
+            </a:r>
+            <a:r>
+              <a:rPr lang="en-US" altLang="ko-KR" sz="1600">
+                <a:solidFill>
+                  <a:schemeClr val="bg1"/>
+                </a:solidFill>
+              </a:rPr>
+              <a:t>-&gt; 1</a:t>
+            </a:r>
+          </a:p>
+          <a:p>
+            <a:pPr defTabSz="360000"/>
+            <a:r>
+              <a:rPr lang="en-US" altLang="ko-KR" sz="1600">
+                <a:solidFill>
+                  <a:schemeClr val="bg1"/>
+                </a:solidFill>
+              </a:rPr>
+              <a:t>		</a:t>
+            </a:r>
+            <a:r>
+              <a:rPr lang="ko-KR" altLang="en-US" sz="1600">
+                <a:solidFill>
+                  <a:schemeClr val="bg1"/>
+                </a:solidFill>
+              </a:rPr>
+              <a:t>가로속도 </a:t>
+            </a:r>
+            <a:r>
+              <a:rPr lang="en-US" altLang="ko-KR" sz="1600">
+                <a:solidFill>
+                  <a:schemeClr val="bg1"/>
+                </a:solidFill>
+              </a:rPr>
+              <a:t>-&gt; 1</a:t>
+            </a:r>
+          </a:p>
+          <a:p>
+            <a:pPr defTabSz="360000"/>
+            <a:r>
+              <a:rPr lang="en-US" altLang="ko-KR" sz="1600">
+                <a:solidFill>
+                  <a:schemeClr val="bg1"/>
+                </a:solidFill>
+              </a:rPr>
+              <a:t>		</a:t>
+            </a:r>
+          </a:p>
+          <a:p>
+            <a:pPr defTabSz="360000"/>
+            <a:r>
+              <a:rPr lang="en-US" altLang="ko-KR" sz="1600">
+                <a:solidFill>
+                  <a:schemeClr val="bg1"/>
+                </a:solidFill>
+              </a:rPr>
+              <a:t>		</a:t>
+            </a:r>
+            <a:r>
+              <a:rPr lang="ko-KR" altLang="en-US" b="1">
+                <a:solidFill>
+                  <a:srgbClr val="FFFF00"/>
+                </a:solidFill>
+              </a:rPr>
+              <a:t>횟수 </a:t>
+            </a:r>
+            <a:r>
+              <a:rPr lang="en-US" altLang="ko-KR" b="1">
+                <a:solidFill>
+                  <a:srgbClr val="FFFF00"/>
+                </a:solidFill>
+              </a:rPr>
+              <a:t>-&gt; 0</a:t>
+            </a:r>
+          </a:p>
+          <a:p>
+            <a:pPr defTabSz="360000"/>
+            <a:r>
+              <a:rPr lang="en-US" altLang="ko-KR" b="1">
+                <a:solidFill>
+                  <a:srgbClr val="FFFF00"/>
+                </a:solidFill>
+              </a:rPr>
+              <a:t>		</a:t>
+            </a:r>
+            <a:r>
+              <a:rPr lang="ko-KR" altLang="en-US" b="1">
+                <a:solidFill>
+                  <a:srgbClr val="FFFF00"/>
+                </a:solidFill>
+              </a:rPr>
+              <a:t>횟수 </a:t>
+            </a:r>
+            <a:r>
+              <a:rPr lang="en-US" altLang="ko-KR" b="1">
+                <a:solidFill>
+                  <a:srgbClr val="FFFF00"/>
+                </a:solidFill>
+              </a:rPr>
+              <a:t>&lt; </a:t>
+            </a:r>
+            <a:r>
+              <a:rPr lang="ko-KR" altLang="en-US" b="1">
+                <a:solidFill>
+                  <a:srgbClr val="FFFF00"/>
+                </a:solidFill>
+              </a:rPr>
+              <a:t>점수 동안</a:t>
+            </a:r>
+          </a:p>
+          <a:p>
+            <a:pPr defTabSz="360000"/>
+            <a:r>
+              <a:rPr lang="ko-KR" altLang="en-US" b="1">
+                <a:solidFill>
+                  <a:srgbClr val="FFFF00"/>
+                </a:solidFill>
+              </a:rPr>
+              <a:t>			메모리</a:t>
+            </a:r>
+            <a:r>
+              <a:rPr lang="en-US" altLang="ko-KR" b="1">
+                <a:solidFill>
+                  <a:srgbClr val="FFFF00"/>
+                </a:solidFill>
+              </a:rPr>
+              <a:t>[60000+</a:t>
+            </a:r>
+            <a:r>
+              <a:rPr lang="ko-KR" altLang="en-US" b="1">
+                <a:solidFill>
+                  <a:srgbClr val="FFFF00"/>
+                </a:solidFill>
+              </a:rPr>
+              <a:t>횟수</a:t>
+            </a:r>
+            <a:r>
+              <a:rPr lang="en-US" altLang="ko-KR" b="1">
+                <a:solidFill>
+                  <a:srgbClr val="FFFF00"/>
+                </a:solidFill>
+              </a:rPr>
+              <a:t>] -&gt; 0</a:t>
+            </a:r>
+          </a:p>
+          <a:p>
+            <a:pPr defTabSz="360000"/>
+            <a:r>
+              <a:rPr lang="en-US" altLang="ko-KR" b="1">
+                <a:solidFill>
+                  <a:srgbClr val="FFFF00"/>
+                </a:solidFill>
+              </a:rPr>
+              <a:t>			</a:t>
+            </a:r>
+            <a:r>
+              <a:rPr lang="ko-KR" altLang="en-US" b="1">
+                <a:solidFill>
+                  <a:srgbClr val="FFFF00"/>
+                </a:solidFill>
+              </a:rPr>
+              <a:t>횟수 </a:t>
+            </a:r>
+            <a:r>
+              <a:rPr lang="en-US" altLang="ko-KR" b="1">
+                <a:solidFill>
+                  <a:srgbClr val="FFFF00"/>
+                </a:solidFill>
+              </a:rPr>
+              <a:t>-&gt; </a:t>
+            </a:r>
+            <a:r>
+              <a:rPr lang="ko-KR" altLang="en-US" b="1">
+                <a:solidFill>
+                  <a:srgbClr val="FFFF00"/>
+                </a:solidFill>
+              </a:rPr>
+              <a:t>횟수 </a:t>
+            </a:r>
+            <a:r>
+              <a:rPr lang="en-US" altLang="ko-KR" b="1">
+                <a:solidFill>
+                  <a:srgbClr val="FFFF00"/>
+                </a:solidFill>
+              </a:rPr>
+              <a:t>+ 1</a:t>
+            </a:r>
+          </a:p>
+          <a:p>
+            <a:pPr defTabSz="360000"/>
+            <a:r>
+              <a:rPr lang="en-US" altLang="ko-KR" b="1">
+                <a:solidFill>
+                  <a:srgbClr val="FFFF00"/>
+                </a:solidFill>
+              </a:rPr>
+              <a:t>		</a:t>
+            </a:r>
+            <a:r>
+              <a:rPr lang="ko-KR" altLang="en-US" b="1">
+                <a:solidFill>
+                  <a:srgbClr val="FFFF00"/>
+                </a:solidFill>
+              </a:rPr>
+              <a:t>점수 </a:t>
+            </a:r>
+            <a:r>
+              <a:rPr lang="en-US" altLang="ko-KR" b="1">
+                <a:solidFill>
+                  <a:srgbClr val="FFFF00"/>
+                </a:solidFill>
+              </a:rPr>
+              <a:t>-&gt; 0</a:t>
+            </a:r>
+            <a:endParaRPr lang="ko-KR" altLang="en-US" b="1">
+              <a:solidFill>
+                <a:srgbClr val="FFFF00"/>
+              </a:solidFill>
+            </a:endParaRPr>
+          </a:p>
+        </p:txBody>
+      </p:sp>
+      <p:pic>
+        <p:nvPicPr>
+          <p:cNvPr id="12290" name="Picture 2"/>
+          <p:cNvPicPr>
+            <a:picLocks noChangeAspect="1" noChangeArrowheads="1"/>
+          </p:cNvPicPr>
+          <p:nvPr/>
+        </p:nvPicPr>
+        <p:blipFill>
+          <a:blip r:embed="rId2">
+            <a:extLst>
+              <a:ext uri="{28A0092B-C50C-407E-A947-70E740481C1C}">
+                <a14:useLocalDpi xmlns:a14="http://schemas.microsoft.com/office/drawing/2010/main" val="0"/>
+              </a:ext>
+            </a:extLst>
+          </a:blip>
+          <a:srcRect/>
+          <a:stretch>
+            <a:fillRect/>
+          </a:stretch>
+        </p:blipFill>
+        <p:spPr bwMode="auto">
+          <a:xfrm>
+            <a:off x="6053138" y="3717032"/>
+            <a:ext cx="2962275" cy="2962275"/>
+          </a:xfrm>
+          <a:prstGeom prst="rect">
+            <a:avLst/>
+          </a:prstGeom>
+          <a:noFill/>
+          <a:ln>
+            <a:noFill/>
+          </a:ln>
+          <a:extLst>
+            <a:ext uri="{909E8E84-426E-40DD-AFC4-6F175D3DCCD1}">
+              <a14:hiddenFill xmlns:a14="http://schemas.microsoft.com/office/drawing/2010/main">
+                <a:solidFill>
+                  <a:schemeClr val="accent1"/>
+                </a:solidFill>
+              </a14:hiddenFill>
+            </a:ext>
+            <a:ext uri="{91240B29-F687-4F45-9708-019B960494DF}">
+              <a14:hiddenLine xmlns:a14="http://schemas.microsoft.com/office/drawing/2010/main" w="9525">
+                <a:solidFill>
+                  <a:schemeClr val="tx1"/>
+                </a:solidFill>
+                <a:miter lim="800000"/>
+                <a:headEnd/>
+                <a:tailEnd/>
+              </a14:hiddenLine>
+            </a:ext>
+          </a:extLst>
+        </p:spPr>
+      </p:pic>
+    </p:spTree>
+    <p:extLst>
+      <p:ext uri="{BB962C8B-B14F-4D97-AF65-F5344CB8AC3E}">
+        <p14:creationId xmlns:p14="http://schemas.microsoft.com/office/powerpoint/2010/main" val="448621301"/>
+      </p:ext>
+    </p:extLst>
+  </p:cSld>
+  <p:clrMapOvr>
+    <a:masterClrMapping/>
+  </p:clrMapOvr>
 </p:sld>
 </file>
 
@@ -11120,11 +12829,6 @@
               </a:rPr>
               <a:t>10</a:t>
             </a:r>
-            <a:endParaRPr lang="en-US" altLang="ko-KR" b="1">
-              <a:solidFill>
-                <a:srgbClr val="FFFF00"/>
-              </a:solidFill>
-            </a:endParaRPr>
           </a:p>
           <a:p>
             <a:pPr defTabSz="360000"/>
@@ -11144,11 +12848,6 @@
               </a:rPr>
               <a:t>70</a:t>
             </a:r>
-            <a:endParaRPr lang="en-US" altLang="ko-KR" b="1">
-              <a:solidFill>
-                <a:srgbClr val="FFFF00"/>
-              </a:solidFill>
-            </a:endParaRPr>
           </a:p>
           <a:p>
             <a:pPr defTabSz="360000"/>
@@ -11235,11 +12934,7 @@
             </a:r>
             <a:r>
               <a:rPr lang="en-US" altLang="ko-KR"/>
-              <a:t>[55000] </a:t>
-            </a:r>
-            <a:r>
-              <a:rPr lang="en-US" altLang="ko-KR"/>
-              <a:t>-&gt; </a:t>
+              <a:t>[55000] -&gt; </a:t>
             </a:r>
             <a:r>
               <a:rPr lang="en-US" altLang="ko-KR" smtClean="0"/>
@@ -12862,11 +14557,7 @@
             </a:r>
             <a:r>
               <a:rPr lang="en-US" altLang="ko-KR" smtClean="0"/>
-              <a:t>)</a:t>
-            </a:r>
-            <a:r>
-              <a:rPr lang="en-US" altLang="ko-KR" smtClean="0"/>
-              <a:t> </a:t>
+              <a:t>) </a:t>
             </a:r>
             <a:r>
               <a:rPr lang="ko-KR" altLang="en-US" smtClean="0"/>
